--- a/LogSearcher.pptx
+++ b/LogSearcher.pptx
@@ -113,6 +113,11 @@
       </a:defRPr>
     </a:lvl9pPr>
   </p:defaultTextStyle>
+  <p:extLst>
+    <p:ext uri="{EFAFB233-063F-42B5-8137-9DF3F51BA10A}">
+      <p15:sldGuideLst xmlns:p15="http://schemas.microsoft.com/office/powerpoint/2012/main"/>
+    </p:ext>
+  </p:extLst>
 </p:presentation>
 </file>
 
@@ -5875,7 +5880,7 @@
         <p:spPr>
           <a:xfrm>
             <a:off x="1177636" y="197346"/>
-            <a:ext cx="9836727" cy="6463308"/>
+            <a:ext cx="9836727" cy="6740307"/>
           </a:xfrm>
           <a:prstGeom prst="rect">
             <a:avLst/>
@@ -6181,6 +6186,24 @@
             </a:r>
           </a:p>
           <a:p>
+            <a:r>
+              <a:rPr lang="en-US" dirty="0" err="1"/>
+              <a:t>Tilføj</a:t>
+            </a:r>
+            <a:r>
+              <a:rPr lang="en-US" dirty="0"/>
+              <a:t> data </a:t>
+            </a:r>
+            <a:r>
+              <a:rPr lang="en-US" dirty="0" err="1"/>
+              <a:t>til</a:t>
+            </a:r>
+            <a:r>
+              <a:rPr lang="en-US" dirty="0"/>
+              <a:t> G3</a:t>
+            </a:r>
+          </a:p>
+          <a:p>
             <a:br>
               <a:rPr lang="en-US" dirty="0"/>
             </a:br>
@@ -6189,7 +6212,7 @@
               <a:t>Vælg</a:t>
             </a:r>
             <a:r>
-              <a:rPr lang="en-US" dirty="0"/>
+              <a:rPr lang="en-US"/>
               <a:t> G1-3, </a:t>
             </a:r>
             <a:r>

--- a/LogSearcher.pptx
+++ b/LogSearcher.pptx
@@ -5880,7 +5880,7 @@
         <p:spPr>
           <a:xfrm>
             <a:off x="1177636" y="197346"/>
-            <a:ext cx="9836727" cy="6740307"/>
+            <a:ext cx="9836727" cy="6463308"/>
           </a:xfrm>
           <a:prstGeom prst="rect">
             <a:avLst/>
@@ -5904,6 +5904,20 @@
           <a:p>
             <a:r>
               <a:rPr lang="en-US" dirty="0"/>
+              <a:t>(</a:t>
+            </a:r>
+            <a:r>
+              <a:rPr lang="en-US" dirty="0" err="1"/>
+              <a:t>kør</a:t>
+            </a:r>
+            <a:r>
+              <a:rPr lang="en-US" dirty="0"/>
+              <a:t> script 1resetG3.cmd)</a:t>
+            </a:r>
+          </a:p>
+          <a:p>
+            <a:r>
+              <a:rPr lang="en-US" dirty="0"/>
               <a:t>Load 2 </a:t>
             </a:r>
             <a:r>
@@ -6187,16 +6201,20 @@
           </a:p>
           <a:p>
             <a:r>
+              <a:rPr lang="en-US" dirty="0"/>
+              <a:t>(</a:t>
+            </a:r>
+            <a:r>
               <a:rPr lang="en-US" dirty="0" err="1"/>
-              <a:t>Tilføj</a:t>
-            </a:r>
-            <a:r>
-              <a:rPr lang="en-US" dirty="0"/>
-              <a:t> data </a:t>
+              <a:t>kør</a:t>
+            </a:r>
+            <a:r>
+              <a:rPr lang="en-US" dirty="0"/>
+              <a:t> script 2updateG3.cmd) -&gt; </a:t>
             </a:r>
             <a:r>
               <a:rPr lang="en-US" dirty="0" err="1"/>
-              <a:t>til</a:t>
+              <a:t>opdater</a:t>
             </a:r>
             <a:r>
               <a:rPr lang="en-US" dirty="0"/>
@@ -6212,7 +6230,7 @@
               <a:t>Vælg</a:t>
             </a:r>
             <a:r>
-              <a:rPr lang="en-US"/>
+              <a:rPr lang="en-US" dirty="0"/>
               <a:t> G1-3, </a:t>
             </a:r>
             <a:r>
@@ -6339,16 +6357,6 @@
               <a:rPr lang="en-US" dirty="0" err="1"/>
               <a:t>logfil</a:t>
             </a:r>
-            <a:endParaRPr lang="en-US" dirty="0"/>
-          </a:p>
-          <a:p>
-            <a:r>
-              <a:rPr lang="en-US" dirty="0"/>
-              <a:t>	</a:t>
-            </a:r>
-            <a:br>
-              <a:rPr lang="en-US" dirty="0"/>
-            </a:br>
             <a:endParaRPr lang="da-DK" dirty="0"/>
           </a:p>
         </p:txBody>

--- a/LogSearcher.pptx
+++ b/LogSearcher.pptx
@@ -22,6 +22,7 @@
     <p:sldId id="271" r:id="rId16"/>
     <p:sldId id="273" r:id="rId17"/>
     <p:sldId id="272" r:id="rId18"/>
+    <p:sldId id="274" r:id="rId19"/>
   </p:sldIdLst>
   <p:sldSz cx="12192000" cy="6858000"/>
   <p:notesSz cx="6858000" cy="9144000"/>
@@ -277,7 +278,7 @@
           <a:p>
             <a:fld id="{E4F54686-28C7-41F7-9FF9-CCD97C84AAF1}" type="datetimeFigureOut">
               <a:rPr lang="da-DK" smtClean="0"/>
-              <a:t>14-01-2023</a:t>
+              <a:t>15-01-2023</a:t>
             </a:fld>
             <a:endParaRPr lang="da-DK"/>
           </a:p>
@@ -477,7 +478,7 @@
           <a:p>
             <a:fld id="{E4F54686-28C7-41F7-9FF9-CCD97C84AAF1}" type="datetimeFigureOut">
               <a:rPr lang="da-DK" smtClean="0"/>
-              <a:t>14-01-2023</a:t>
+              <a:t>15-01-2023</a:t>
             </a:fld>
             <a:endParaRPr lang="da-DK"/>
           </a:p>
@@ -687,7 +688,7 @@
           <a:p>
             <a:fld id="{E4F54686-28C7-41F7-9FF9-CCD97C84AAF1}" type="datetimeFigureOut">
               <a:rPr lang="da-DK" smtClean="0"/>
-              <a:t>14-01-2023</a:t>
+              <a:t>15-01-2023</a:t>
             </a:fld>
             <a:endParaRPr lang="da-DK"/>
           </a:p>
@@ -887,7 +888,7 @@
           <a:p>
             <a:fld id="{E4F54686-28C7-41F7-9FF9-CCD97C84AAF1}" type="datetimeFigureOut">
               <a:rPr lang="da-DK" smtClean="0"/>
-              <a:t>14-01-2023</a:t>
+              <a:t>15-01-2023</a:t>
             </a:fld>
             <a:endParaRPr lang="da-DK"/>
           </a:p>
@@ -1163,7 +1164,7 @@
           <a:p>
             <a:fld id="{E4F54686-28C7-41F7-9FF9-CCD97C84AAF1}" type="datetimeFigureOut">
               <a:rPr lang="da-DK" smtClean="0"/>
-              <a:t>14-01-2023</a:t>
+              <a:t>15-01-2023</a:t>
             </a:fld>
             <a:endParaRPr lang="da-DK"/>
           </a:p>
@@ -1431,7 +1432,7 @@
           <a:p>
             <a:fld id="{E4F54686-28C7-41F7-9FF9-CCD97C84AAF1}" type="datetimeFigureOut">
               <a:rPr lang="da-DK" smtClean="0"/>
-              <a:t>14-01-2023</a:t>
+              <a:t>15-01-2023</a:t>
             </a:fld>
             <a:endParaRPr lang="da-DK"/>
           </a:p>
@@ -1846,7 +1847,7 @@
           <a:p>
             <a:fld id="{E4F54686-28C7-41F7-9FF9-CCD97C84AAF1}" type="datetimeFigureOut">
               <a:rPr lang="da-DK" smtClean="0"/>
-              <a:t>14-01-2023</a:t>
+              <a:t>15-01-2023</a:t>
             </a:fld>
             <a:endParaRPr lang="da-DK"/>
           </a:p>
@@ -1988,7 +1989,7 @@
           <a:p>
             <a:fld id="{E4F54686-28C7-41F7-9FF9-CCD97C84AAF1}" type="datetimeFigureOut">
               <a:rPr lang="da-DK" smtClean="0"/>
-              <a:t>14-01-2023</a:t>
+              <a:t>15-01-2023</a:t>
             </a:fld>
             <a:endParaRPr lang="da-DK"/>
           </a:p>
@@ -2101,7 +2102,7 @@
           <a:p>
             <a:fld id="{E4F54686-28C7-41F7-9FF9-CCD97C84AAF1}" type="datetimeFigureOut">
               <a:rPr lang="da-DK" smtClean="0"/>
-              <a:t>14-01-2023</a:t>
+              <a:t>15-01-2023</a:t>
             </a:fld>
             <a:endParaRPr lang="da-DK"/>
           </a:p>
@@ -2414,7 +2415,7 @@
           <a:p>
             <a:fld id="{E4F54686-28C7-41F7-9FF9-CCD97C84AAF1}" type="datetimeFigureOut">
               <a:rPr lang="da-DK" smtClean="0"/>
-              <a:t>14-01-2023</a:t>
+              <a:t>15-01-2023</a:t>
             </a:fld>
             <a:endParaRPr lang="da-DK"/>
           </a:p>
@@ -2703,7 +2704,7 @@
           <a:p>
             <a:fld id="{E4F54686-28C7-41F7-9FF9-CCD97C84AAF1}" type="datetimeFigureOut">
               <a:rPr lang="da-DK" smtClean="0"/>
-              <a:t>14-01-2023</a:t>
+              <a:t>15-01-2023</a:t>
             </a:fld>
             <a:endParaRPr lang="da-DK"/>
           </a:p>
@@ -2946,7 +2947,7 @@
           <a:p>
             <a:fld id="{E4F54686-28C7-41F7-9FF9-CCD97C84AAF1}" type="datetimeFigureOut">
               <a:rPr lang="da-DK" smtClean="0"/>
-              <a:t>14-01-2023</a:t>
+              <a:t>15-01-2023</a:t>
             </a:fld>
             <a:endParaRPr lang="da-DK"/>
           </a:p>
@@ -4207,7 +4208,19 @@
           <p:nvPr/>
         </p:nvPicPr>
         <p:blipFill>
-          <a:blip r:embed="rId2"/>
+          <a:blip r:embed="rId2">
+            <a:extLst>
+              <a:ext uri="{BEBA8EAE-BF5A-486C-A8C5-ECC9F3942E4B}">
+                <a14:imgProps xmlns:a14="http://schemas.microsoft.com/office/drawing/2010/main">
+                  <a14:imgLayer r:embed="rId3">
+                    <a14:imgEffect>
+                      <a14:brightnessContrast bright="54000"/>
+                    </a14:imgEffect>
+                  </a14:imgLayer>
+                </a14:imgProps>
+              </a:ext>
+            </a:extLst>
+          </a:blip>
           <a:stretch>
             <a:fillRect/>
           </a:stretch>
@@ -4237,7 +4250,19 @@
           <p:nvPr/>
         </p:nvPicPr>
         <p:blipFill>
-          <a:blip r:embed="rId3"/>
+          <a:blip r:embed="rId4">
+            <a:extLst>
+              <a:ext uri="{BEBA8EAE-BF5A-486C-A8C5-ECC9F3942E4B}">
+                <a14:imgProps xmlns:a14="http://schemas.microsoft.com/office/drawing/2010/main">
+                  <a14:imgLayer r:embed="rId5">
+                    <a14:imgEffect>
+                      <a14:brightnessContrast bright="54000"/>
+                    </a14:imgEffect>
+                  </a14:imgLayer>
+                </a14:imgProps>
+              </a:ext>
+            </a:extLst>
+          </a:blip>
           <a:stretch>
             <a:fillRect/>
           </a:stretch>
@@ -5467,7 +5492,19 @@
           <p:nvPr/>
         </p:nvPicPr>
         <p:blipFill>
-          <a:blip r:embed="rId2"/>
+          <a:blip r:embed="rId2">
+            <a:extLst>
+              <a:ext uri="{BEBA8EAE-BF5A-486C-A8C5-ECC9F3942E4B}">
+                <a14:imgProps xmlns:a14="http://schemas.microsoft.com/office/drawing/2010/main">
+                  <a14:imgLayer r:embed="rId3">
+                    <a14:imgEffect>
+                      <a14:brightnessContrast bright="54000"/>
+                    </a14:imgEffect>
+                  </a14:imgLayer>
+                </a14:imgProps>
+              </a:ext>
+            </a:extLst>
+          </a:blip>
           <a:stretch>
             <a:fillRect/>
           </a:stretch>
@@ -5497,7 +5534,19 @@
           <p:nvPr/>
         </p:nvPicPr>
         <p:blipFill>
-          <a:blip r:embed="rId3"/>
+          <a:blip r:embed="rId4">
+            <a:extLst>
+              <a:ext uri="{BEBA8EAE-BF5A-486C-A8C5-ECC9F3942E4B}">
+                <a14:imgProps xmlns:a14="http://schemas.microsoft.com/office/drawing/2010/main">
+                  <a14:imgLayer r:embed="rId5">
+                    <a14:imgEffect>
+                      <a14:brightnessContrast bright="54000"/>
+                    </a14:imgEffect>
+                  </a14:imgLayer>
+                </a14:imgProps>
+              </a:ext>
+            </a:extLst>
+          </a:blip>
           <a:stretch>
             <a:fillRect/>
           </a:stretch>
@@ -7857,7 +7906,19 @@
             <p:nvPr/>
           </p:nvPicPr>
           <p:blipFill>
-            <a:blip r:embed="rId2"/>
+            <a:blip r:embed="rId2">
+              <a:extLst>
+                <a:ext uri="{BEBA8EAE-BF5A-486C-A8C5-ECC9F3942E4B}">
+                  <a14:imgProps xmlns:a14="http://schemas.microsoft.com/office/drawing/2010/main">
+                    <a14:imgLayer r:embed="rId3">
+                      <a14:imgEffect>
+                        <a14:brightnessContrast bright="54000"/>
+                      </a14:imgEffect>
+                    </a14:imgLayer>
+                  </a14:imgProps>
+                </a:ext>
+              </a:extLst>
+            </a:blip>
             <a:stretch>
               <a:fillRect/>
             </a:stretch>
@@ -7948,7 +8009,19 @@
             <p:nvPr/>
           </p:nvPicPr>
           <p:blipFill>
-            <a:blip r:embed="rId3"/>
+            <a:blip r:embed="rId4">
+              <a:extLst>
+                <a:ext uri="{BEBA8EAE-BF5A-486C-A8C5-ECC9F3942E4B}">
+                  <a14:imgProps xmlns:a14="http://schemas.microsoft.com/office/drawing/2010/main">
+                    <a14:imgLayer r:embed="rId5">
+                      <a14:imgEffect>
+                        <a14:brightnessContrast bright="54000"/>
+                      </a14:imgEffect>
+                    </a14:imgLayer>
+                  </a14:imgProps>
+                </a:ext>
+              </a:extLst>
+            </a:blip>
             <a:stretch>
               <a:fillRect/>
             </a:stretch>
@@ -8305,7 +8378,19 @@
             <p:nvPr/>
           </p:nvPicPr>
           <p:blipFill>
-            <a:blip r:embed="rId4"/>
+            <a:blip r:embed="rId6">
+              <a:extLst>
+                <a:ext uri="{BEBA8EAE-BF5A-486C-A8C5-ECC9F3942E4B}">
+                  <a14:imgProps xmlns:a14="http://schemas.microsoft.com/office/drawing/2010/main">
+                    <a14:imgLayer r:embed="rId7">
+                      <a14:imgEffect>
+                        <a14:brightnessContrast bright="54000"/>
+                      </a14:imgEffect>
+                    </a14:imgLayer>
+                  </a14:imgProps>
+                </a:ext>
+              </a:extLst>
+            </a:blip>
             <a:stretch>
               <a:fillRect/>
             </a:stretch>
@@ -8396,7 +8481,19 @@
             <p:nvPr/>
           </p:nvPicPr>
           <p:blipFill>
-            <a:blip r:embed="rId5"/>
+            <a:blip r:embed="rId8">
+              <a:extLst>
+                <a:ext uri="{BEBA8EAE-BF5A-486C-A8C5-ECC9F3942E4B}">
+                  <a14:imgProps xmlns:a14="http://schemas.microsoft.com/office/drawing/2010/main">
+                    <a14:imgLayer r:embed="rId9">
+                      <a14:imgEffect>
+                        <a14:brightnessContrast bright="54000"/>
+                      </a14:imgEffect>
+                    </a14:imgLayer>
+                  </a14:imgProps>
+                </a:ext>
+              </a:extLst>
+            </a:blip>
             <a:stretch>
               <a:fillRect/>
             </a:stretch>
@@ -8554,7 +8651,19 @@
           <p:nvPr/>
         </p:nvPicPr>
         <p:blipFill>
-          <a:blip r:embed="rId6"/>
+          <a:blip r:embed="rId10">
+            <a:extLst>
+              <a:ext uri="{BEBA8EAE-BF5A-486C-A8C5-ECC9F3942E4B}">
+                <a14:imgProps xmlns:a14="http://schemas.microsoft.com/office/drawing/2010/main">
+                  <a14:imgLayer r:embed="rId11">
+                    <a14:imgEffect>
+                      <a14:brightnessContrast bright="54000"/>
+                    </a14:imgEffect>
+                  </a14:imgLayer>
+                </a14:imgProps>
+              </a:ext>
+            </a:extLst>
+          </a:blip>
           <a:stretch>
             <a:fillRect/>
           </a:stretch>
@@ -10686,95 +10795,6 @@
       </p:grpSpPr>
       <p:sp>
         <p:nvSpPr>
-          <p:cNvPr id="78" name="Flowchart: Process 77">
-            <a:extLst>
-              <a:ext uri="{FF2B5EF4-FFF2-40B4-BE49-F238E27FC236}">
-                <a16:creationId xmlns:a16="http://schemas.microsoft.com/office/drawing/2014/main" id="{9B8F180E-97A6-B230-142C-A0A8B215E3BD}"/>
-              </a:ext>
-            </a:extLst>
-          </p:cNvPr>
-          <p:cNvSpPr/>
-          <p:nvPr/>
-        </p:nvSpPr>
-        <p:spPr>
-          <a:xfrm>
-            <a:off x="1145309" y="3645320"/>
-            <a:ext cx="10317943" cy="2672353"/>
-          </a:xfrm>
-          <a:prstGeom prst="flowChartProcess">
-            <a:avLst/>
-          </a:prstGeom>
-          <a:solidFill>
-            <a:schemeClr val="bg1"/>
-          </a:solidFill>
-          <a:ln>
-            <a:gradFill>
-              <a:gsLst>
-                <a:gs pos="0">
-                  <a:schemeClr val="accent6">
-                    <a:lumMod val="40000"/>
-                    <a:lumOff val="60000"/>
-                  </a:schemeClr>
-                </a:gs>
-                <a:gs pos="100000">
-                  <a:schemeClr val="accent6">
-                    <a:lumMod val="75000"/>
-                  </a:schemeClr>
-                </a:gs>
-              </a:gsLst>
-              <a:lin ang="10800000" scaled="0"/>
-            </a:gradFill>
-            <a:prstDash val="dash"/>
-            <a:extLst>
-              <a:ext uri="{C807C97D-BFC1-408E-A445-0C87EB9F89A2}">
-                <ask:lineSketchStyleProps xmlns:ask="http://schemas.microsoft.com/office/drawing/2018/sketchyshapes">
-                  <ask:type>
-                    <ask:lineSketchScribble/>
-                  </ask:type>
-                </ask:lineSketchStyleProps>
-              </a:ext>
-            </a:extLst>
-          </a:ln>
-        </p:spPr>
-        <p:style>
-          <a:lnRef idx="2">
-            <a:schemeClr val="accent1">
-              <a:shade val="50000"/>
-            </a:schemeClr>
-          </a:lnRef>
-          <a:fillRef idx="1">
-            <a:schemeClr val="accent1"/>
-          </a:fillRef>
-          <a:effectRef idx="0">
-            <a:schemeClr val="accent1"/>
-          </a:effectRef>
-          <a:fontRef idx="minor">
-            <a:schemeClr val="lt1"/>
-          </a:fontRef>
-        </p:style>
-        <p:txBody>
-          <a:bodyPr rtlCol="0" anchor="t"/>
-          <a:lstStyle/>
-          <a:p>
-            <a:pPr algn="r"/>
-            <a:r>
-              <a:rPr lang="en-US">
-                <a:solidFill>
-                  <a:schemeClr val="accent6"/>
-                </a:solidFill>
-              </a:rPr>
-              <a:t>Controller</a:t>
-            </a:r>
-            <a:endParaRPr lang="da-DK" dirty="0">
-              <a:solidFill>
-                <a:schemeClr val="accent6"/>
-              </a:solidFill>
-            </a:endParaRPr>
-          </a:p>
-        </p:txBody>
-      </p:sp>
-      <p:sp>
-        <p:nvSpPr>
           <p:cNvPr id="74" name="Flowchart: Process 73">
             <a:extLst>
               <a:ext uri="{FF2B5EF4-FFF2-40B4-BE49-F238E27FC236}">
@@ -10795,80 +10815,82 @@
             <a:gdLst>
               <a:gd name="connsiteX0" fmla="*/ 0 w 7989455"/>
               <a:gd name="connsiteY0" fmla="*/ 0 h 2062018"/>
-              <a:gd name="connsiteX1" fmla="*/ 490781 w 7989455"/>
+              <a:gd name="connsiteX1" fmla="*/ 410886 w 7989455"/>
               <a:gd name="connsiteY1" fmla="*/ 0 h 2062018"/>
-              <a:gd name="connsiteX2" fmla="*/ 821773 w 7989455"/>
+              <a:gd name="connsiteX2" fmla="*/ 981562 w 7989455"/>
               <a:gd name="connsiteY2" fmla="*/ 0 h 2062018"/>
-              <a:gd name="connsiteX3" fmla="*/ 1552237 w 7989455"/>
+              <a:gd name="connsiteX3" fmla="*/ 1632132 w 7989455"/>
               <a:gd name="connsiteY3" fmla="*/ 0 h 2062018"/>
-              <a:gd name="connsiteX4" fmla="*/ 2043018 w 7989455"/>
+              <a:gd name="connsiteX4" fmla="*/ 1963123 w 7989455"/>
               <a:gd name="connsiteY4" fmla="*/ 0 h 2062018"/>
-              <a:gd name="connsiteX5" fmla="*/ 2533799 w 7989455"/>
+              <a:gd name="connsiteX5" fmla="*/ 2294115 w 7989455"/>
               <a:gd name="connsiteY5" fmla="*/ 0 h 2062018"/>
-              <a:gd name="connsiteX6" fmla="*/ 3264263 w 7989455"/>
+              <a:gd name="connsiteX6" fmla="*/ 3024579 w 7989455"/>
               <a:gd name="connsiteY6" fmla="*/ 0 h 2062018"/>
-              <a:gd name="connsiteX7" fmla="*/ 3675149 w 7989455"/>
+              <a:gd name="connsiteX7" fmla="*/ 3595255 w 7989455"/>
               <a:gd name="connsiteY7" fmla="*/ 0 h 2062018"/>
-              <a:gd name="connsiteX8" fmla="*/ 4405614 w 7989455"/>
+              <a:gd name="connsiteX8" fmla="*/ 3926246 w 7989455"/>
               <a:gd name="connsiteY8" fmla="*/ 0 h 2062018"/>
-              <a:gd name="connsiteX9" fmla="*/ 5136078 w 7989455"/>
+              <a:gd name="connsiteX9" fmla="*/ 4496922 w 7989455"/>
               <a:gd name="connsiteY9" fmla="*/ 0 h 2062018"/>
-              <a:gd name="connsiteX10" fmla="*/ 5706754 w 7989455"/>
+              <a:gd name="connsiteX10" fmla="*/ 5227386 w 7989455"/>
               <a:gd name="connsiteY10" fmla="*/ 0 h 2062018"/>
-              <a:gd name="connsiteX11" fmla="*/ 6437218 w 7989455"/>
+              <a:gd name="connsiteX11" fmla="*/ 5718167 w 7989455"/>
               <a:gd name="connsiteY11" fmla="*/ 0 h 2062018"/>
-              <a:gd name="connsiteX12" fmla="*/ 6927999 w 7989455"/>
+              <a:gd name="connsiteX12" fmla="*/ 6208948 w 7989455"/>
               <a:gd name="connsiteY12" fmla="*/ 0 h 2062018"/>
-              <a:gd name="connsiteX13" fmla="*/ 7418780 w 7989455"/>
+              <a:gd name="connsiteX13" fmla="*/ 6779623 w 7989455"/>
               <a:gd name="connsiteY13" fmla="*/ 0 h 2062018"/>
-              <a:gd name="connsiteX14" fmla="*/ 7989455 w 7989455"/>
+              <a:gd name="connsiteX14" fmla="*/ 7430193 w 7989455"/>
               <a:gd name="connsiteY14" fmla="*/ 0 h 2062018"/>
               <a:gd name="connsiteX15" fmla="*/ 7989455 w 7989455"/>
-              <a:gd name="connsiteY15" fmla="*/ 494884 h 2062018"/>
+              <a:gd name="connsiteY15" fmla="*/ 0 h 2062018"/>
               <a:gd name="connsiteX16" fmla="*/ 7989455 w 7989455"/>
-              <a:gd name="connsiteY16" fmla="*/ 1010389 h 2062018"/>
+              <a:gd name="connsiteY16" fmla="*/ 536125 h 2062018"/>
               <a:gd name="connsiteX17" fmla="*/ 7989455 w 7989455"/>
-              <a:gd name="connsiteY17" fmla="*/ 1546514 h 2062018"/>
+              <a:gd name="connsiteY17" fmla="*/ 1031009 h 2062018"/>
               <a:gd name="connsiteX18" fmla="*/ 7989455 w 7989455"/>
-              <a:gd name="connsiteY18" fmla="*/ 2062018 h 2062018"/>
-              <a:gd name="connsiteX19" fmla="*/ 7338885 w 7989455"/>
+              <a:gd name="connsiteY18" fmla="*/ 1505273 h 2062018"/>
+              <a:gd name="connsiteX19" fmla="*/ 7989455 w 7989455"/>
               <a:gd name="connsiteY19" fmla="*/ 2062018 h 2062018"/>
-              <a:gd name="connsiteX20" fmla="*/ 6927999 w 7989455"/>
+              <a:gd name="connsiteX20" fmla="*/ 7338885 w 7989455"/>
               <a:gd name="connsiteY20" fmla="*/ 2062018 h 2062018"/>
-              <a:gd name="connsiteX21" fmla="*/ 6197534 w 7989455"/>
+              <a:gd name="connsiteX21" fmla="*/ 7007893 w 7989455"/>
               <a:gd name="connsiteY21" fmla="*/ 2062018 h 2062018"/>
-              <a:gd name="connsiteX22" fmla="*/ 5626859 w 7989455"/>
+              <a:gd name="connsiteX22" fmla="*/ 6437218 w 7989455"/>
               <a:gd name="connsiteY22" fmla="*/ 2062018 h 2062018"/>
-              <a:gd name="connsiteX23" fmla="*/ 5215973 w 7989455"/>
+              <a:gd name="connsiteX23" fmla="*/ 5946437 w 7989455"/>
               <a:gd name="connsiteY23" fmla="*/ 2062018 h 2062018"/>
-              <a:gd name="connsiteX24" fmla="*/ 4645297 w 7989455"/>
+              <a:gd name="connsiteX24" fmla="*/ 5455656 w 7989455"/>
               <a:gd name="connsiteY24" fmla="*/ 2062018 h 2062018"/>
-              <a:gd name="connsiteX25" fmla="*/ 4314306 w 7989455"/>
+              <a:gd name="connsiteX25" fmla="*/ 4964876 w 7989455"/>
               <a:gd name="connsiteY25" fmla="*/ 2062018 h 2062018"/>
-              <a:gd name="connsiteX26" fmla="*/ 3983314 w 7989455"/>
+              <a:gd name="connsiteX26" fmla="*/ 4474095 w 7989455"/>
               <a:gd name="connsiteY26" fmla="*/ 2062018 h 2062018"/>
-              <a:gd name="connsiteX27" fmla="*/ 3412639 w 7989455"/>
+              <a:gd name="connsiteX27" fmla="*/ 3823525 w 7989455"/>
               <a:gd name="connsiteY27" fmla="*/ 2062018 h 2062018"/>
-              <a:gd name="connsiteX28" fmla="*/ 3001752 w 7989455"/>
+              <a:gd name="connsiteX28" fmla="*/ 3252850 w 7989455"/>
               <a:gd name="connsiteY28" fmla="*/ 2062018 h 2062018"/>
-              <a:gd name="connsiteX29" fmla="*/ 2351182 w 7989455"/>
+              <a:gd name="connsiteX29" fmla="*/ 2921858 w 7989455"/>
               <a:gd name="connsiteY29" fmla="*/ 2062018 h 2062018"/>
-              <a:gd name="connsiteX30" fmla="*/ 1940296 w 7989455"/>
+              <a:gd name="connsiteX30" fmla="*/ 2431077 w 7989455"/>
               <a:gd name="connsiteY30" fmla="*/ 2062018 h 2062018"/>
-              <a:gd name="connsiteX31" fmla="*/ 1289726 w 7989455"/>
+              <a:gd name="connsiteX31" fmla="*/ 1780507 w 7989455"/>
               <a:gd name="connsiteY31" fmla="*/ 2062018 h 2062018"/>
-              <a:gd name="connsiteX32" fmla="*/ 958735 w 7989455"/>
+              <a:gd name="connsiteX32" fmla="*/ 1369621 w 7989455"/>
               <a:gd name="connsiteY32" fmla="*/ 2062018 h 2062018"/>
-              <a:gd name="connsiteX33" fmla="*/ 0 w 7989455"/>
+              <a:gd name="connsiteX33" fmla="*/ 639156 w 7989455"/>
               <a:gd name="connsiteY33" fmla="*/ 2062018 h 2062018"/>
               <a:gd name="connsiteX34" fmla="*/ 0 w 7989455"/>
-              <a:gd name="connsiteY34" fmla="*/ 1587754 h 2062018"/>
+              <a:gd name="connsiteY34" fmla="*/ 2062018 h 2062018"/>
               <a:gd name="connsiteX35" fmla="*/ 0 w 7989455"/>
-              <a:gd name="connsiteY35" fmla="*/ 1031009 h 2062018"/>
+              <a:gd name="connsiteY35" fmla="*/ 1546514 h 2062018"/>
               <a:gd name="connsiteX36" fmla="*/ 0 w 7989455"/>
-              <a:gd name="connsiteY36" fmla="*/ 536125 h 2062018"/>
+              <a:gd name="connsiteY36" fmla="*/ 1092870 h 2062018"/>
               <a:gd name="connsiteX37" fmla="*/ 0 w 7989455"/>
-              <a:gd name="connsiteY37" fmla="*/ 0 h 2062018"/>
+              <a:gd name="connsiteY37" fmla="*/ 577365 h 2062018"/>
+              <a:gd name="connsiteX38" fmla="*/ 0 w 7989455"/>
+              <a:gd name="connsiteY38" fmla="*/ 0 h 2062018"/>
             </a:gdLst>
             <a:ahLst/>
             <a:cxnLst>
@@ -10986,10 +11008,209 @@
               <a:cxn ang="0">
                 <a:pos x="connsiteX37" y="connsiteY37"/>
               </a:cxn>
+              <a:cxn ang="0">
+                <a:pos x="connsiteX38" y="connsiteY38"/>
+              </a:cxn>
             </a:cxnLst>
             <a:rect l="l" t="t" r="r" b="b"/>
             <a:pathLst>
-              <a:path w="7989455" h="2062018" extrusionOk="0">
+              <a:path w="7989455" h="2062018" fill="none" extrusionOk="0">
+                <a:moveTo>
+                  <a:pt x="0" y="0"/>
+                </a:moveTo>
+                <a:cubicBezTo>
+                  <a:pt x="91226" y="-26930"/>
+                  <a:pt x="288217" y="8585"/>
+                  <a:pt x="410886" y="0"/>
+                </a:cubicBezTo>
+                <a:cubicBezTo>
+                  <a:pt x="533555" y="-8585"/>
+                  <a:pt x="804604" y="7262"/>
+                  <a:pt x="981562" y="0"/>
+                </a:cubicBezTo>
+                <a:cubicBezTo>
+                  <a:pt x="1158520" y="-7262"/>
+                  <a:pt x="1346949" y="19243"/>
+                  <a:pt x="1632132" y="0"/>
+                </a:cubicBezTo>
+                <a:cubicBezTo>
+                  <a:pt x="1917315" y="-19243"/>
+                  <a:pt x="1817975" y="32336"/>
+                  <a:pt x="1963123" y="0"/>
+                </a:cubicBezTo>
+                <a:cubicBezTo>
+                  <a:pt x="2108271" y="-32336"/>
+                  <a:pt x="2133258" y="7455"/>
+                  <a:pt x="2294115" y="0"/>
+                </a:cubicBezTo>
+                <a:cubicBezTo>
+                  <a:pt x="2454972" y="-7455"/>
+                  <a:pt x="2679916" y="45183"/>
+                  <a:pt x="3024579" y="0"/>
+                </a:cubicBezTo>
+                <a:cubicBezTo>
+                  <a:pt x="3369242" y="-45183"/>
+                  <a:pt x="3388364" y="51807"/>
+                  <a:pt x="3595255" y="0"/>
+                </a:cubicBezTo>
+                <a:cubicBezTo>
+                  <a:pt x="3802146" y="-51807"/>
+                  <a:pt x="3859505" y="26258"/>
+                  <a:pt x="3926246" y="0"/>
+                </a:cubicBezTo>
+                <a:cubicBezTo>
+                  <a:pt x="3992987" y="-26258"/>
+                  <a:pt x="4360647" y="49485"/>
+                  <a:pt x="4496922" y="0"/>
+                </a:cubicBezTo>
+                <a:cubicBezTo>
+                  <a:pt x="4633197" y="-49485"/>
+                  <a:pt x="4886490" y="85678"/>
+                  <a:pt x="5227386" y="0"/>
+                </a:cubicBezTo>
+                <a:cubicBezTo>
+                  <a:pt x="5568282" y="-85678"/>
+                  <a:pt x="5543507" y="27798"/>
+                  <a:pt x="5718167" y="0"/>
+                </a:cubicBezTo>
+                <a:cubicBezTo>
+                  <a:pt x="5892827" y="-27798"/>
+                  <a:pt x="5984508" y="17829"/>
+                  <a:pt x="6208948" y="0"/>
+                </a:cubicBezTo>
+                <a:cubicBezTo>
+                  <a:pt x="6433388" y="-17829"/>
+                  <a:pt x="6640558" y="58995"/>
+                  <a:pt x="6779623" y="0"/>
+                </a:cubicBezTo>
+                <a:cubicBezTo>
+                  <a:pt x="6918689" y="-58995"/>
+                  <a:pt x="7195897" y="3516"/>
+                  <a:pt x="7430193" y="0"/>
+                </a:cubicBezTo>
+                <a:cubicBezTo>
+                  <a:pt x="7664489" y="-3516"/>
+                  <a:pt x="7796854" y="13231"/>
+                  <a:pt x="7989455" y="0"/>
+                </a:cubicBezTo>
+                <a:cubicBezTo>
+                  <a:pt x="8024253" y="217981"/>
+                  <a:pt x="7982458" y="339328"/>
+                  <a:pt x="7989455" y="536125"/>
+                </a:cubicBezTo>
+                <a:cubicBezTo>
+                  <a:pt x="7996452" y="732922"/>
+                  <a:pt x="7946418" y="916147"/>
+                  <a:pt x="7989455" y="1031009"/>
+                </a:cubicBezTo>
+                <a:cubicBezTo>
+                  <a:pt x="8032492" y="1145871"/>
+                  <a:pt x="7939929" y="1384237"/>
+                  <a:pt x="7989455" y="1505273"/>
+                </a:cubicBezTo>
+                <a:cubicBezTo>
+                  <a:pt x="8038981" y="1626309"/>
+                  <a:pt x="7987927" y="1805141"/>
+                  <a:pt x="7989455" y="2062018"/>
+                </a:cubicBezTo>
+                <a:cubicBezTo>
+                  <a:pt x="7684720" y="2104794"/>
+                  <a:pt x="7566899" y="2020094"/>
+                  <a:pt x="7338885" y="2062018"/>
+                </a:cubicBezTo>
+                <a:cubicBezTo>
+                  <a:pt x="7110871" y="2103942"/>
+                  <a:pt x="7165073" y="2053442"/>
+                  <a:pt x="7007893" y="2062018"/>
+                </a:cubicBezTo>
+                <a:cubicBezTo>
+                  <a:pt x="6850713" y="2070594"/>
+                  <a:pt x="6641408" y="2040126"/>
+                  <a:pt x="6437218" y="2062018"/>
+                </a:cubicBezTo>
+                <a:cubicBezTo>
+                  <a:pt x="6233028" y="2083910"/>
+                  <a:pt x="6062054" y="2006804"/>
+                  <a:pt x="5946437" y="2062018"/>
+                </a:cubicBezTo>
+                <a:cubicBezTo>
+                  <a:pt x="5830820" y="2117232"/>
+                  <a:pt x="5635860" y="2031200"/>
+                  <a:pt x="5455656" y="2062018"/>
+                </a:cubicBezTo>
+                <a:cubicBezTo>
+                  <a:pt x="5275452" y="2092836"/>
+                  <a:pt x="5112549" y="2046715"/>
+                  <a:pt x="4964876" y="2062018"/>
+                </a:cubicBezTo>
+                <a:cubicBezTo>
+                  <a:pt x="4817203" y="2077321"/>
+                  <a:pt x="4644114" y="2030875"/>
+                  <a:pt x="4474095" y="2062018"/>
+                </a:cubicBezTo>
+                <a:cubicBezTo>
+                  <a:pt x="4304076" y="2093161"/>
+                  <a:pt x="4117813" y="2058406"/>
+                  <a:pt x="3823525" y="2062018"/>
+                </a:cubicBezTo>
+                <a:cubicBezTo>
+                  <a:pt x="3529237" y="2065630"/>
+                  <a:pt x="3378424" y="1998248"/>
+                  <a:pt x="3252850" y="2062018"/>
+                </a:cubicBezTo>
+                <a:cubicBezTo>
+                  <a:pt x="3127277" y="2125788"/>
+                  <a:pt x="3030762" y="2026261"/>
+                  <a:pt x="2921858" y="2062018"/>
+                </a:cubicBezTo>
+                <a:cubicBezTo>
+                  <a:pt x="2812954" y="2097775"/>
+                  <a:pt x="2661288" y="2053609"/>
+                  <a:pt x="2431077" y="2062018"/>
+                </a:cubicBezTo>
+                <a:cubicBezTo>
+                  <a:pt x="2200866" y="2070427"/>
+                  <a:pt x="1916551" y="2010914"/>
+                  <a:pt x="1780507" y="2062018"/>
+                </a:cubicBezTo>
+                <a:cubicBezTo>
+                  <a:pt x="1644463" y="2113122"/>
+                  <a:pt x="1496601" y="2031506"/>
+                  <a:pt x="1369621" y="2062018"/>
+                </a:cubicBezTo>
+                <a:cubicBezTo>
+                  <a:pt x="1242641" y="2092530"/>
+                  <a:pt x="809459" y="2057903"/>
+                  <a:pt x="639156" y="2062018"/>
+                </a:cubicBezTo>
+                <a:cubicBezTo>
+                  <a:pt x="468853" y="2066133"/>
+                  <a:pt x="147056" y="2057488"/>
+                  <a:pt x="0" y="2062018"/>
+                </a:cubicBezTo>
+                <a:cubicBezTo>
+                  <a:pt x="-49396" y="1875585"/>
+                  <a:pt x="6204" y="1793146"/>
+                  <a:pt x="0" y="1546514"/>
+                </a:cubicBezTo>
+                <a:cubicBezTo>
+                  <a:pt x="-6204" y="1299882"/>
+                  <a:pt x="5491" y="1233820"/>
+                  <a:pt x="0" y="1092870"/>
+                </a:cubicBezTo>
+                <a:cubicBezTo>
+                  <a:pt x="-5491" y="951920"/>
+                  <a:pt x="4097" y="693296"/>
+                  <a:pt x="0" y="577365"/>
+                </a:cubicBezTo>
+                <a:cubicBezTo>
+                  <a:pt x="-4097" y="461435"/>
+                  <a:pt x="23257" y="136589"/>
+                  <a:pt x="0" y="0"/>
+                </a:cubicBezTo>
+                <a:close/>
+              </a:path>
+              <a:path w="7989455" h="2062018" stroke="0" extrusionOk="0">
                 <a:moveTo>
                   <a:pt x="0" y="0"/>
                 </a:moveTo>
@@ -11256,10 +11477,10 @@
       </p:sp>
       <p:sp>
         <p:nvSpPr>
-          <p:cNvPr id="77" name="Flowchart: Process 76">
-            <a:extLst>
-              <a:ext uri="{FF2B5EF4-FFF2-40B4-BE49-F238E27FC236}">
-                <a16:creationId xmlns:a16="http://schemas.microsoft.com/office/drawing/2014/main" id="{24EC1ACF-5446-CC2F-C426-59A2E22BBCD6}"/>
+          <p:cNvPr id="4" name="Flowchart: Process 3">
+            <a:extLst>
+              <a:ext uri="{FF2B5EF4-FFF2-40B4-BE49-F238E27FC236}">
+                <a16:creationId xmlns:a16="http://schemas.microsoft.com/office/drawing/2014/main" id="{CD39879D-C812-5783-BCE0-2C6F52248F81}"/>
               </a:ext>
             </a:extLst>
           </p:cNvPr>
@@ -11268,12 +11489,702 @@
         </p:nvSpPr>
         <p:spPr>
           <a:xfrm>
-            <a:off x="5514109" y="2888600"/>
-            <a:ext cx="4562586" cy="1851768"/>
-          </a:xfrm>
-          <a:prstGeom prst="flowChartProcess">
-            <a:avLst/>
-          </a:prstGeom>
+            <a:off x="1145309" y="3672913"/>
+            <a:ext cx="10039926" cy="2814883"/>
+          </a:xfrm>
+          <a:custGeom>
+            <a:avLst/>
+            <a:gdLst>
+              <a:gd name="connsiteX0" fmla="*/ 0 w 10039926"/>
+              <a:gd name="connsiteY0" fmla="*/ 0 h 2814883"/>
+              <a:gd name="connsiteX1" fmla="*/ 590584 w 10039926"/>
+              <a:gd name="connsiteY1" fmla="*/ 0 h 2814883"/>
+              <a:gd name="connsiteX2" fmla="*/ 1080769 w 10039926"/>
+              <a:gd name="connsiteY2" fmla="*/ 0 h 2814883"/>
+              <a:gd name="connsiteX3" fmla="*/ 1671352 w 10039926"/>
+              <a:gd name="connsiteY3" fmla="*/ 0 h 2814883"/>
+              <a:gd name="connsiteX4" fmla="*/ 2362336 w 10039926"/>
+              <a:gd name="connsiteY4" fmla="*/ 0 h 2814883"/>
+              <a:gd name="connsiteX5" fmla="*/ 3053319 w 10039926"/>
+              <a:gd name="connsiteY5" fmla="*/ 0 h 2814883"/>
+              <a:gd name="connsiteX6" fmla="*/ 3744302 w 10039926"/>
+              <a:gd name="connsiteY6" fmla="*/ 0 h 2814883"/>
+              <a:gd name="connsiteX7" fmla="*/ 4535684 w 10039926"/>
+              <a:gd name="connsiteY7" fmla="*/ 0 h 2814883"/>
+              <a:gd name="connsiteX8" fmla="*/ 5126268 w 10039926"/>
+              <a:gd name="connsiteY8" fmla="*/ 0 h 2814883"/>
+              <a:gd name="connsiteX9" fmla="*/ 5817251 w 10039926"/>
+              <a:gd name="connsiteY9" fmla="*/ 0 h 2814883"/>
+              <a:gd name="connsiteX10" fmla="*/ 6407835 w 10039926"/>
+              <a:gd name="connsiteY10" fmla="*/ 0 h 2814883"/>
+              <a:gd name="connsiteX11" fmla="*/ 6998419 w 10039926"/>
+              <a:gd name="connsiteY11" fmla="*/ 0 h 2814883"/>
+              <a:gd name="connsiteX12" fmla="*/ 7589003 w 10039926"/>
+              <a:gd name="connsiteY12" fmla="*/ 0 h 2814883"/>
+              <a:gd name="connsiteX13" fmla="*/ 7878389 w 10039926"/>
+              <a:gd name="connsiteY13" fmla="*/ 0 h 2814883"/>
+              <a:gd name="connsiteX14" fmla="*/ 8569372 w 10039926"/>
+              <a:gd name="connsiteY14" fmla="*/ 0 h 2814883"/>
+              <a:gd name="connsiteX15" fmla="*/ 8858758 w 10039926"/>
+              <a:gd name="connsiteY15" fmla="*/ 0 h 2814883"/>
+              <a:gd name="connsiteX16" fmla="*/ 9449342 w 10039926"/>
+              <a:gd name="connsiteY16" fmla="*/ 0 h 2814883"/>
+              <a:gd name="connsiteX17" fmla="*/ 10039926 w 10039926"/>
+              <a:gd name="connsiteY17" fmla="*/ 0 h 2814883"/>
+              <a:gd name="connsiteX18" fmla="*/ 10039926 w 10039926"/>
+              <a:gd name="connsiteY18" fmla="*/ 619274 h 2814883"/>
+              <a:gd name="connsiteX19" fmla="*/ 10039926 w 10039926"/>
+              <a:gd name="connsiteY19" fmla="*/ 1097804 h 2814883"/>
+              <a:gd name="connsiteX20" fmla="*/ 10039926 w 10039926"/>
+              <a:gd name="connsiteY20" fmla="*/ 1604483 h 2814883"/>
+              <a:gd name="connsiteX21" fmla="*/ 10039926 w 10039926"/>
+              <a:gd name="connsiteY21" fmla="*/ 2111162 h 2814883"/>
+              <a:gd name="connsiteX22" fmla="*/ 10039926 w 10039926"/>
+              <a:gd name="connsiteY22" fmla="*/ 2814883 h 2814883"/>
+              <a:gd name="connsiteX23" fmla="*/ 9449342 w 10039926"/>
+              <a:gd name="connsiteY23" fmla="*/ 2814883 h 2814883"/>
+              <a:gd name="connsiteX24" fmla="*/ 8657960 w 10039926"/>
+              <a:gd name="connsiteY24" fmla="*/ 2814883 h 2814883"/>
+              <a:gd name="connsiteX25" fmla="*/ 8067376 w 10039926"/>
+              <a:gd name="connsiteY25" fmla="*/ 2814883 h 2814883"/>
+              <a:gd name="connsiteX26" fmla="*/ 7275993 w 10039926"/>
+              <a:gd name="connsiteY26" fmla="*/ 2814883 h 2814883"/>
+              <a:gd name="connsiteX27" fmla="*/ 6685410 w 10039926"/>
+              <a:gd name="connsiteY27" fmla="*/ 2814883 h 2814883"/>
+              <a:gd name="connsiteX28" fmla="*/ 5994426 w 10039926"/>
+              <a:gd name="connsiteY28" fmla="*/ 2814883 h 2814883"/>
+              <a:gd name="connsiteX29" fmla="*/ 5705040 w 10039926"/>
+              <a:gd name="connsiteY29" fmla="*/ 2814883 h 2814883"/>
+              <a:gd name="connsiteX30" fmla="*/ 4913658 w 10039926"/>
+              <a:gd name="connsiteY30" fmla="*/ 2814883 h 2814883"/>
+              <a:gd name="connsiteX31" fmla="*/ 4423473 w 10039926"/>
+              <a:gd name="connsiteY31" fmla="*/ 2814883 h 2814883"/>
+              <a:gd name="connsiteX32" fmla="*/ 3732490 w 10039926"/>
+              <a:gd name="connsiteY32" fmla="*/ 2814883 h 2814883"/>
+              <a:gd name="connsiteX33" fmla="*/ 3443104 w 10039926"/>
+              <a:gd name="connsiteY33" fmla="*/ 2814883 h 2814883"/>
+              <a:gd name="connsiteX34" fmla="*/ 2651722 w 10039926"/>
+              <a:gd name="connsiteY34" fmla="*/ 2814883 h 2814883"/>
+              <a:gd name="connsiteX35" fmla="*/ 2161537 w 10039926"/>
+              <a:gd name="connsiteY35" fmla="*/ 2814883 h 2814883"/>
+              <a:gd name="connsiteX36" fmla="*/ 1570953 w 10039926"/>
+              <a:gd name="connsiteY36" fmla="*/ 2814883 h 2814883"/>
+              <a:gd name="connsiteX37" fmla="*/ 1181168 w 10039926"/>
+              <a:gd name="connsiteY37" fmla="*/ 2814883 h 2814883"/>
+              <a:gd name="connsiteX38" fmla="*/ 0 w 10039926"/>
+              <a:gd name="connsiteY38" fmla="*/ 2814883 h 2814883"/>
+              <a:gd name="connsiteX39" fmla="*/ 0 w 10039926"/>
+              <a:gd name="connsiteY39" fmla="*/ 2195609 h 2814883"/>
+              <a:gd name="connsiteX40" fmla="*/ 0 w 10039926"/>
+              <a:gd name="connsiteY40" fmla="*/ 1632632 h 2814883"/>
+              <a:gd name="connsiteX41" fmla="*/ 0 w 10039926"/>
+              <a:gd name="connsiteY41" fmla="*/ 1154102 h 2814883"/>
+              <a:gd name="connsiteX42" fmla="*/ 0 w 10039926"/>
+              <a:gd name="connsiteY42" fmla="*/ 562977 h 2814883"/>
+              <a:gd name="connsiteX43" fmla="*/ 0 w 10039926"/>
+              <a:gd name="connsiteY43" fmla="*/ 0 h 2814883"/>
+            </a:gdLst>
+            <a:ahLst/>
+            <a:cxnLst>
+              <a:cxn ang="0">
+                <a:pos x="connsiteX0" y="connsiteY0"/>
+              </a:cxn>
+              <a:cxn ang="0">
+                <a:pos x="connsiteX1" y="connsiteY1"/>
+              </a:cxn>
+              <a:cxn ang="0">
+                <a:pos x="connsiteX2" y="connsiteY2"/>
+              </a:cxn>
+              <a:cxn ang="0">
+                <a:pos x="connsiteX3" y="connsiteY3"/>
+              </a:cxn>
+              <a:cxn ang="0">
+                <a:pos x="connsiteX4" y="connsiteY4"/>
+              </a:cxn>
+              <a:cxn ang="0">
+                <a:pos x="connsiteX5" y="connsiteY5"/>
+              </a:cxn>
+              <a:cxn ang="0">
+                <a:pos x="connsiteX6" y="connsiteY6"/>
+              </a:cxn>
+              <a:cxn ang="0">
+                <a:pos x="connsiteX7" y="connsiteY7"/>
+              </a:cxn>
+              <a:cxn ang="0">
+                <a:pos x="connsiteX8" y="connsiteY8"/>
+              </a:cxn>
+              <a:cxn ang="0">
+                <a:pos x="connsiteX9" y="connsiteY9"/>
+              </a:cxn>
+              <a:cxn ang="0">
+                <a:pos x="connsiteX10" y="connsiteY10"/>
+              </a:cxn>
+              <a:cxn ang="0">
+                <a:pos x="connsiteX11" y="connsiteY11"/>
+              </a:cxn>
+              <a:cxn ang="0">
+                <a:pos x="connsiteX12" y="connsiteY12"/>
+              </a:cxn>
+              <a:cxn ang="0">
+                <a:pos x="connsiteX13" y="connsiteY13"/>
+              </a:cxn>
+              <a:cxn ang="0">
+                <a:pos x="connsiteX14" y="connsiteY14"/>
+              </a:cxn>
+              <a:cxn ang="0">
+                <a:pos x="connsiteX15" y="connsiteY15"/>
+              </a:cxn>
+              <a:cxn ang="0">
+                <a:pos x="connsiteX16" y="connsiteY16"/>
+              </a:cxn>
+              <a:cxn ang="0">
+                <a:pos x="connsiteX17" y="connsiteY17"/>
+              </a:cxn>
+              <a:cxn ang="0">
+                <a:pos x="connsiteX18" y="connsiteY18"/>
+              </a:cxn>
+              <a:cxn ang="0">
+                <a:pos x="connsiteX19" y="connsiteY19"/>
+              </a:cxn>
+              <a:cxn ang="0">
+                <a:pos x="connsiteX20" y="connsiteY20"/>
+              </a:cxn>
+              <a:cxn ang="0">
+                <a:pos x="connsiteX21" y="connsiteY21"/>
+              </a:cxn>
+              <a:cxn ang="0">
+                <a:pos x="connsiteX22" y="connsiteY22"/>
+              </a:cxn>
+              <a:cxn ang="0">
+                <a:pos x="connsiteX23" y="connsiteY23"/>
+              </a:cxn>
+              <a:cxn ang="0">
+                <a:pos x="connsiteX24" y="connsiteY24"/>
+              </a:cxn>
+              <a:cxn ang="0">
+                <a:pos x="connsiteX25" y="connsiteY25"/>
+              </a:cxn>
+              <a:cxn ang="0">
+                <a:pos x="connsiteX26" y="connsiteY26"/>
+              </a:cxn>
+              <a:cxn ang="0">
+                <a:pos x="connsiteX27" y="connsiteY27"/>
+              </a:cxn>
+              <a:cxn ang="0">
+                <a:pos x="connsiteX28" y="connsiteY28"/>
+              </a:cxn>
+              <a:cxn ang="0">
+                <a:pos x="connsiteX29" y="connsiteY29"/>
+              </a:cxn>
+              <a:cxn ang="0">
+                <a:pos x="connsiteX30" y="connsiteY30"/>
+              </a:cxn>
+              <a:cxn ang="0">
+                <a:pos x="connsiteX31" y="connsiteY31"/>
+              </a:cxn>
+              <a:cxn ang="0">
+                <a:pos x="connsiteX32" y="connsiteY32"/>
+              </a:cxn>
+              <a:cxn ang="0">
+                <a:pos x="connsiteX33" y="connsiteY33"/>
+              </a:cxn>
+              <a:cxn ang="0">
+                <a:pos x="connsiteX34" y="connsiteY34"/>
+              </a:cxn>
+              <a:cxn ang="0">
+                <a:pos x="connsiteX35" y="connsiteY35"/>
+              </a:cxn>
+              <a:cxn ang="0">
+                <a:pos x="connsiteX36" y="connsiteY36"/>
+              </a:cxn>
+              <a:cxn ang="0">
+                <a:pos x="connsiteX37" y="connsiteY37"/>
+              </a:cxn>
+              <a:cxn ang="0">
+                <a:pos x="connsiteX38" y="connsiteY38"/>
+              </a:cxn>
+              <a:cxn ang="0">
+                <a:pos x="connsiteX39" y="connsiteY39"/>
+              </a:cxn>
+              <a:cxn ang="0">
+                <a:pos x="connsiteX40" y="connsiteY40"/>
+              </a:cxn>
+              <a:cxn ang="0">
+                <a:pos x="connsiteX41" y="connsiteY41"/>
+              </a:cxn>
+              <a:cxn ang="0">
+                <a:pos x="connsiteX42" y="connsiteY42"/>
+              </a:cxn>
+              <a:cxn ang="0">
+                <a:pos x="connsiteX43" y="connsiteY43"/>
+              </a:cxn>
+            </a:cxnLst>
+            <a:rect l="l" t="t" r="r" b="b"/>
+            <a:pathLst>
+              <a:path w="10039926" h="2814883" fill="none" extrusionOk="0">
+                <a:moveTo>
+                  <a:pt x="0" y="0"/>
+                </a:moveTo>
+                <a:cubicBezTo>
+                  <a:pt x="226387" y="-16105"/>
+                  <a:pt x="378695" y="16875"/>
+                  <a:pt x="590584" y="0"/>
+                </a:cubicBezTo>
+                <a:cubicBezTo>
+                  <a:pt x="802473" y="-16875"/>
+                  <a:pt x="933965" y="11799"/>
+                  <a:pt x="1080769" y="0"/>
+                </a:cubicBezTo>
+                <a:cubicBezTo>
+                  <a:pt x="1227574" y="-11799"/>
+                  <a:pt x="1465512" y="1347"/>
+                  <a:pt x="1671352" y="0"/>
+                </a:cubicBezTo>
+                <a:cubicBezTo>
+                  <a:pt x="1877192" y="-1347"/>
+                  <a:pt x="2153212" y="33857"/>
+                  <a:pt x="2362336" y="0"/>
+                </a:cubicBezTo>
+                <a:cubicBezTo>
+                  <a:pt x="2571460" y="-33857"/>
+                  <a:pt x="2870562" y="77222"/>
+                  <a:pt x="3053319" y="0"/>
+                </a:cubicBezTo>
+                <a:cubicBezTo>
+                  <a:pt x="3236076" y="-77222"/>
+                  <a:pt x="3513403" y="29605"/>
+                  <a:pt x="3744302" y="0"/>
+                </a:cubicBezTo>
+                <a:cubicBezTo>
+                  <a:pt x="3975201" y="-29605"/>
+                  <a:pt x="4152801" y="94069"/>
+                  <a:pt x="4535684" y="0"/>
+                </a:cubicBezTo>
+                <a:cubicBezTo>
+                  <a:pt x="4918567" y="-94069"/>
+                  <a:pt x="4872371" y="44785"/>
+                  <a:pt x="5126268" y="0"/>
+                </a:cubicBezTo>
+                <a:cubicBezTo>
+                  <a:pt x="5380165" y="-44785"/>
+                  <a:pt x="5676834" y="17796"/>
+                  <a:pt x="5817251" y="0"/>
+                </a:cubicBezTo>
+                <a:cubicBezTo>
+                  <a:pt x="5957668" y="-17796"/>
+                  <a:pt x="6235821" y="59422"/>
+                  <a:pt x="6407835" y="0"/>
+                </a:cubicBezTo>
+                <a:cubicBezTo>
+                  <a:pt x="6579849" y="-59422"/>
+                  <a:pt x="6807372" y="9723"/>
+                  <a:pt x="6998419" y="0"/>
+                </a:cubicBezTo>
+                <a:cubicBezTo>
+                  <a:pt x="7189466" y="-9723"/>
+                  <a:pt x="7466115" y="46055"/>
+                  <a:pt x="7589003" y="0"/>
+                </a:cubicBezTo>
+                <a:cubicBezTo>
+                  <a:pt x="7711891" y="-46055"/>
+                  <a:pt x="7782383" y="32708"/>
+                  <a:pt x="7878389" y="0"/>
+                </a:cubicBezTo>
+                <a:cubicBezTo>
+                  <a:pt x="7974395" y="-32708"/>
+                  <a:pt x="8328286" y="60137"/>
+                  <a:pt x="8569372" y="0"/>
+                </a:cubicBezTo>
+                <a:cubicBezTo>
+                  <a:pt x="8810458" y="-60137"/>
+                  <a:pt x="8717519" y="3001"/>
+                  <a:pt x="8858758" y="0"/>
+                </a:cubicBezTo>
+                <a:cubicBezTo>
+                  <a:pt x="8999997" y="-3001"/>
+                  <a:pt x="9230071" y="10019"/>
+                  <a:pt x="9449342" y="0"/>
+                </a:cubicBezTo>
+                <a:cubicBezTo>
+                  <a:pt x="9668613" y="-10019"/>
+                  <a:pt x="9777807" y="59709"/>
+                  <a:pt x="10039926" y="0"/>
+                </a:cubicBezTo>
+                <a:cubicBezTo>
+                  <a:pt x="10105714" y="221791"/>
+                  <a:pt x="9977560" y="316475"/>
+                  <a:pt x="10039926" y="619274"/>
+                </a:cubicBezTo>
+                <a:cubicBezTo>
+                  <a:pt x="10102292" y="922073"/>
+                  <a:pt x="9983516" y="938877"/>
+                  <a:pt x="10039926" y="1097804"/>
+                </a:cubicBezTo>
+                <a:cubicBezTo>
+                  <a:pt x="10096336" y="1256731"/>
+                  <a:pt x="10000365" y="1445313"/>
+                  <a:pt x="10039926" y="1604483"/>
+                </a:cubicBezTo>
+                <a:cubicBezTo>
+                  <a:pt x="10079487" y="1763653"/>
+                  <a:pt x="9995561" y="1912814"/>
+                  <a:pt x="10039926" y="2111162"/>
+                </a:cubicBezTo>
+                <a:cubicBezTo>
+                  <a:pt x="10084291" y="2309510"/>
+                  <a:pt x="9975463" y="2477931"/>
+                  <a:pt x="10039926" y="2814883"/>
+                </a:cubicBezTo>
+                <a:cubicBezTo>
+                  <a:pt x="9917826" y="2824178"/>
+                  <a:pt x="9680860" y="2809177"/>
+                  <a:pt x="9449342" y="2814883"/>
+                </a:cubicBezTo>
+                <a:cubicBezTo>
+                  <a:pt x="9217824" y="2820589"/>
+                  <a:pt x="8998910" y="2762644"/>
+                  <a:pt x="8657960" y="2814883"/>
+                </a:cubicBezTo>
+                <a:cubicBezTo>
+                  <a:pt x="8317010" y="2867122"/>
+                  <a:pt x="8352479" y="2748639"/>
+                  <a:pt x="8067376" y="2814883"/>
+                </a:cubicBezTo>
+                <a:cubicBezTo>
+                  <a:pt x="7782273" y="2881127"/>
+                  <a:pt x="7439558" y="2791210"/>
+                  <a:pt x="7275993" y="2814883"/>
+                </a:cubicBezTo>
+                <a:cubicBezTo>
+                  <a:pt x="7112428" y="2838556"/>
+                  <a:pt x="6844041" y="2765385"/>
+                  <a:pt x="6685410" y="2814883"/>
+                </a:cubicBezTo>
+                <a:cubicBezTo>
+                  <a:pt x="6526779" y="2864381"/>
+                  <a:pt x="6177583" y="2795117"/>
+                  <a:pt x="5994426" y="2814883"/>
+                </a:cubicBezTo>
+                <a:cubicBezTo>
+                  <a:pt x="5811269" y="2834649"/>
+                  <a:pt x="5784328" y="2811053"/>
+                  <a:pt x="5705040" y="2814883"/>
+                </a:cubicBezTo>
+                <a:cubicBezTo>
+                  <a:pt x="5625752" y="2818713"/>
+                  <a:pt x="5276813" y="2813409"/>
+                  <a:pt x="4913658" y="2814883"/>
+                </a:cubicBezTo>
+                <a:cubicBezTo>
+                  <a:pt x="4550503" y="2816357"/>
+                  <a:pt x="4529956" y="2781008"/>
+                  <a:pt x="4423473" y="2814883"/>
+                </a:cubicBezTo>
+                <a:cubicBezTo>
+                  <a:pt x="4316990" y="2848758"/>
+                  <a:pt x="4057257" y="2772574"/>
+                  <a:pt x="3732490" y="2814883"/>
+                </a:cubicBezTo>
+                <a:cubicBezTo>
+                  <a:pt x="3407723" y="2857192"/>
+                  <a:pt x="3572520" y="2804777"/>
+                  <a:pt x="3443104" y="2814883"/>
+                </a:cubicBezTo>
+                <a:cubicBezTo>
+                  <a:pt x="3313688" y="2824989"/>
+                  <a:pt x="2918149" y="2733152"/>
+                  <a:pt x="2651722" y="2814883"/>
+                </a:cubicBezTo>
+                <a:cubicBezTo>
+                  <a:pt x="2385295" y="2896614"/>
+                  <a:pt x="2302660" y="2756749"/>
+                  <a:pt x="2161537" y="2814883"/>
+                </a:cubicBezTo>
+                <a:cubicBezTo>
+                  <a:pt x="2020414" y="2873017"/>
+                  <a:pt x="1856468" y="2750969"/>
+                  <a:pt x="1570953" y="2814883"/>
+                </a:cubicBezTo>
+                <a:cubicBezTo>
+                  <a:pt x="1285438" y="2878797"/>
+                  <a:pt x="1349282" y="2782329"/>
+                  <a:pt x="1181168" y="2814883"/>
+                </a:cubicBezTo>
+                <a:cubicBezTo>
+                  <a:pt x="1013055" y="2847437"/>
+                  <a:pt x="477240" y="2776222"/>
+                  <a:pt x="0" y="2814883"/>
+                </a:cubicBezTo>
+                <a:cubicBezTo>
+                  <a:pt x="-38594" y="2532552"/>
+                  <a:pt x="59657" y="2469152"/>
+                  <a:pt x="0" y="2195609"/>
+                </a:cubicBezTo>
+                <a:cubicBezTo>
+                  <a:pt x="-59657" y="1922066"/>
+                  <a:pt x="20083" y="1824907"/>
+                  <a:pt x="0" y="1632632"/>
+                </a:cubicBezTo>
+                <a:cubicBezTo>
+                  <a:pt x="-20083" y="1440357"/>
+                  <a:pt x="45295" y="1259362"/>
+                  <a:pt x="0" y="1154102"/>
+                </a:cubicBezTo>
+                <a:cubicBezTo>
+                  <a:pt x="-45295" y="1048842"/>
+                  <a:pt x="42903" y="809735"/>
+                  <a:pt x="0" y="562977"/>
+                </a:cubicBezTo>
+                <a:cubicBezTo>
+                  <a:pt x="-42903" y="316220"/>
+                  <a:pt x="4422" y="248317"/>
+                  <a:pt x="0" y="0"/>
+                </a:cubicBezTo>
+                <a:close/>
+              </a:path>
+              <a:path w="10039926" h="2814883" stroke="0" extrusionOk="0">
+                <a:moveTo>
+                  <a:pt x="0" y="0"/>
+                </a:moveTo>
+                <a:cubicBezTo>
+                  <a:pt x="219336" y="-38565"/>
+                  <a:pt x="381379" y="51426"/>
+                  <a:pt x="490185" y="0"/>
+                </a:cubicBezTo>
+                <a:cubicBezTo>
+                  <a:pt x="598992" y="-51426"/>
+                  <a:pt x="649822" y="27686"/>
+                  <a:pt x="779571" y="0"/>
+                </a:cubicBezTo>
+                <a:cubicBezTo>
+                  <a:pt x="909320" y="-27686"/>
+                  <a:pt x="1272289" y="26607"/>
+                  <a:pt x="1570953" y="0"/>
+                </a:cubicBezTo>
+                <a:cubicBezTo>
+                  <a:pt x="1869617" y="-26607"/>
+                  <a:pt x="1933494" y="42995"/>
+                  <a:pt x="2061138" y="0"/>
+                </a:cubicBezTo>
+                <a:cubicBezTo>
+                  <a:pt x="2188783" y="-42995"/>
+                  <a:pt x="2378441" y="47001"/>
+                  <a:pt x="2551322" y="0"/>
+                </a:cubicBezTo>
+                <a:cubicBezTo>
+                  <a:pt x="2724203" y="-47001"/>
+                  <a:pt x="3022376" y="39542"/>
+                  <a:pt x="3342705" y="0"/>
+                </a:cubicBezTo>
+                <a:cubicBezTo>
+                  <a:pt x="3663034" y="-39542"/>
+                  <a:pt x="3612924" y="8147"/>
+                  <a:pt x="3732490" y="0"/>
+                </a:cubicBezTo>
+                <a:cubicBezTo>
+                  <a:pt x="3852057" y="-8147"/>
+                  <a:pt x="4232736" y="51575"/>
+                  <a:pt x="4523873" y="0"/>
+                </a:cubicBezTo>
+                <a:cubicBezTo>
+                  <a:pt x="4815010" y="-51575"/>
+                  <a:pt x="4945269" y="59346"/>
+                  <a:pt x="5315255" y="0"/>
+                </a:cubicBezTo>
+                <a:cubicBezTo>
+                  <a:pt x="5685241" y="-59346"/>
+                  <a:pt x="5767146" y="2588"/>
+                  <a:pt x="5905839" y="0"/>
+                </a:cubicBezTo>
+                <a:cubicBezTo>
+                  <a:pt x="6044532" y="-2588"/>
+                  <a:pt x="6307372" y="25582"/>
+                  <a:pt x="6697221" y="0"/>
+                </a:cubicBezTo>
+                <a:cubicBezTo>
+                  <a:pt x="7087070" y="-25582"/>
+                  <a:pt x="7075820" y="46634"/>
+                  <a:pt x="7187406" y="0"/>
+                </a:cubicBezTo>
+                <a:cubicBezTo>
+                  <a:pt x="7298993" y="-46634"/>
+                  <a:pt x="7504596" y="31932"/>
+                  <a:pt x="7677590" y="0"/>
+                </a:cubicBezTo>
+                <a:cubicBezTo>
+                  <a:pt x="7850584" y="-31932"/>
+                  <a:pt x="8229776" y="7109"/>
+                  <a:pt x="8368574" y="0"/>
+                </a:cubicBezTo>
+                <a:cubicBezTo>
+                  <a:pt x="8507372" y="-7109"/>
+                  <a:pt x="8671337" y="21419"/>
+                  <a:pt x="8858758" y="0"/>
+                </a:cubicBezTo>
+                <a:cubicBezTo>
+                  <a:pt x="9046179" y="-21419"/>
+                  <a:pt x="9650382" y="141238"/>
+                  <a:pt x="10039926" y="0"/>
+                </a:cubicBezTo>
+                <a:cubicBezTo>
+                  <a:pt x="10057024" y="158083"/>
+                  <a:pt x="10000044" y="419652"/>
+                  <a:pt x="10039926" y="619274"/>
+                </a:cubicBezTo>
+                <a:cubicBezTo>
+                  <a:pt x="10079808" y="818896"/>
+                  <a:pt x="10025710" y="1067385"/>
+                  <a:pt x="10039926" y="1210400"/>
+                </a:cubicBezTo>
+                <a:cubicBezTo>
+                  <a:pt x="10054142" y="1353415"/>
+                  <a:pt x="9978642" y="1525727"/>
+                  <a:pt x="10039926" y="1801525"/>
+                </a:cubicBezTo>
+                <a:cubicBezTo>
+                  <a:pt x="10101210" y="2077324"/>
+                  <a:pt x="10031178" y="2076433"/>
+                  <a:pt x="10039926" y="2280055"/>
+                </a:cubicBezTo>
+                <a:cubicBezTo>
+                  <a:pt x="10048674" y="2483677"/>
+                  <a:pt x="10014142" y="2554629"/>
+                  <a:pt x="10039926" y="2814883"/>
+                </a:cubicBezTo>
+                <a:cubicBezTo>
+                  <a:pt x="9816927" y="2866275"/>
+                  <a:pt x="9603705" y="2743498"/>
+                  <a:pt x="9348943" y="2814883"/>
+                </a:cubicBezTo>
+                <a:cubicBezTo>
+                  <a:pt x="9094181" y="2886268"/>
+                  <a:pt x="9106248" y="2797359"/>
+                  <a:pt x="8959157" y="2814883"/>
+                </a:cubicBezTo>
+                <a:cubicBezTo>
+                  <a:pt x="8812066" y="2832407"/>
+                  <a:pt x="8600580" y="2752177"/>
+                  <a:pt x="8368574" y="2814883"/>
+                </a:cubicBezTo>
+                <a:cubicBezTo>
+                  <a:pt x="8136568" y="2877589"/>
+                  <a:pt x="8178149" y="2786335"/>
+                  <a:pt x="8079188" y="2814883"/>
+                </a:cubicBezTo>
+                <a:cubicBezTo>
+                  <a:pt x="7980227" y="2843431"/>
+                  <a:pt x="7880582" y="2784285"/>
+                  <a:pt x="7789801" y="2814883"/>
+                </a:cubicBezTo>
+                <a:cubicBezTo>
+                  <a:pt x="7699020" y="2845481"/>
+                  <a:pt x="7364247" y="2789978"/>
+                  <a:pt x="7199218" y="2814883"/>
+                </a:cubicBezTo>
+                <a:cubicBezTo>
+                  <a:pt x="7034189" y="2839788"/>
+                  <a:pt x="6892775" y="2778245"/>
+                  <a:pt x="6809432" y="2814883"/>
+                </a:cubicBezTo>
+                <a:cubicBezTo>
+                  <a:pt x="6726089" y="2851521"/>
+                  <a:pt x="6354219" y="2771785"/>
+                  <a:pt x="6118449" y="2814883"/>
+                </a:cubicBezTo>
+                <a:cubicBezTo>
+                  <a:pt x="5882679" y="2857981"/>
+                  <a:pt x="5902721" y="2777215"/>
+                  <a:pt x="5728664" y="2814883"/>
+                </a:cubicBezTo>
+                <a:cubicBezTo>
+                  <a:pt x="5554608" y="2852551"/>
+                  <a:pt x="5258588" y="2787860"/>
+                  <a:pt x="5037681" y="2814883"/>
+                </a:cubicBezTo>
+                <a:cubicBezTo>
+                  <a:pt x="4816774" y="2841906"/>
+                  <a:pt x="4812415" y="2802244"/>
+                  <a:pt x="4748294" y="2814883"/>
+                </a:cubicBezTo>
+                <a:cubicBezTo>
+                  <a:pt x="4684173" y="2827522"/>
+                  <a:pt x="4393690" y="2794216"/>
+                  <a:pt x="4057311" y="2814883"/>
+                </a:cubicBezTo>
+                <a:cubicBezTo>
+                  <a:pt x="3720932" y="2835550"/>
+                  <a:pt x="3760853" y="2801415"/>
+                  <a:pt x="3667526" y="2814883"/>
+                </a:cubicBezTo>
+                <a:cubicBezTo>
+                  <a:pt x="3574200" y="2828351"/>
+                  <a:pt x="3449817" y="2803942"/>
+                  <a:pt x="3378140" y="2814883"/>
+                </a:cubicBezTo>
+                <a:cubicBezTo>
+                  <a:pt x="3306463" y="2825824"/>
+                  <a:pt x="3141124" y="2813237"/>
+                  <a:pt x="2988354" y="2814883"/>
+                </a:cubicBezTo>
+                <a:cubicBezTo>
+                  <a:pt x="2835584" y="2816529"/>
+                  <a:pt x="2514759" y="2765671"/>
+                  <a:pt x="2297371" y="2814883"/>
+                </a:cubicBezTo>
+                <a:cubicBezTo>
+                  <a:pt x="2079983" y="2864095"/>
+                  <a:pt x="2063339" y="2801023"/>
+                  <a:pt x="1907586" y="2814883"/>
+                </a:cubicBezTo>
+                <a:cubicBezTo>
+                  <a:pt x="1751833" y="2828743"/>
+                  <a:pt x="1719674" y="2808634"/>
+                  <a:pt x="1618200" y="2814883"/>
+                </a:cubicBezTo>
+                <a:cubicBezTo>
+                  <a:pt x="1516726" y="2821132"/>
+                  <a:pt x="1408422" y="2796750"/>
+                  <a:pt x="1228414" y="2814883"/>
+                </a:cubicBezTo>
+                <a:cubicBezTo>
+                  <a:pt x="1048406" y="2833016"/>
+                  <a:pt x="860525" y="2761647"/>
+                  <a:pt x="738230" y="2814883"/>
+                </a:cubicBezTo>
+                <a:cubicBezTo>
+                  <a:pt x="615935" y="2868119"/>
+                  <a:pt x="241475" y="2787374"/>
+                  <a:pt x="0" y="2814883"/>
+                </a:cubicBezTo>
+                <a:cubicBezTo>
+                  <a:pt x="-55994" y="2674780"/>
+                  <a:pt x="27705" y="2553789"/>
+                  <a:pt x="0" y="2308204"/>
+                </a:cubicBezTo>
+                <a:cubicBezTo>
+                  <a:pt x="-27705" y="2062619"/>
+                  <a:pt x="203" y="1998355"/>
+                  <a:pt x="0" y="1801525"/>
+                </a:cubicBezTo>
+                <a:cubicBezTo>
+                  <a:pt x="-203" y="1604695"/>
+                  <a:pt x="29522" y="1442453"/>
+                  <a:pt x="0" y="1238549"/>
+                </a:cubicBezTo>
+                <a:cubicBezTo>
+                  <a:pt x="-29522" y="1034645"/>
+                  <a:pt x="27665" y="830619"/>
+                  <a:pt x="0" y="675572"/>
+                </a:cubicBezTo>
+                <a:cubicBezTo>
+                  <a:pt x="-27665" y="520525"/>
+                  <a:pt x="51741" y="260839"/>
+                  <a:pt x="0" y="0"/>
+                </a:cubicBezTo>
+                <a:close/>
+              </a:path>
+            </a:pathLst>
+          </a:custGeom>
           <a:solidFill>
             <a:schemeClr val="bg1"/>
           </a:solidFill>
@@ -11297,7 +12208,10 @@
             <a:prstDash val="dash"/>
             <a:extLst>
               <a:ext uri="{C807C97D-BFC1-408E-A445-0C87EB9F89A2}">
-                <ask:lineSketchStyleProps xmlns:ask="http://schemas.microsoft.com/office/drawing/2018/sketchyshapes">
+                <ask:lineSketchStyleProps xmlns:ask="http://schemas.microsoft.com/office/drawing/2018/sketchyshapes" sd="1219033472">
+                  <a:prstGeom prst="flowChartProcess">
+                    <a:avLst/>
+                  </a:prstGeom>
                   <ask:type>
                     <ask:lineSketchScribble/>
                   </ask:type>
@@ -11328,7 +12242,489 @@
           <a:p>
             <a:pPr algn="r"/>
             <a:r>
-              <a:rPr lang="en-US">
+              <a:rPr lang="en-US" dirty="0">
+                <a:solidFill>
+                  <a:schemeClr val="accent6"/>
+                </a:solidFill>
+              </a:rPr>
+              <a:t>Controller</a:t>
+            </a:r>
+            <a:endParaRPr lang="da-DK" dirty="0">
+              <a:solidFill>
+                <a:schemeClr val="accent6"/>
+              </a:solidFill>
+            </a:endParaRPr>
+          </a:p>
+        </p:txBody>
+      </p:sp>
+      <p:sp>
+        <p:nvSpPr>
+          <p:cNvPr id="3" name="Flowchart: Process 2">
+            <a:extLst>
+              <a:ext uri="{FF2B5EF4-FFF2-40B4-BE49-F238E27FC236}">
+                <a16:creationId xmlns:a16="http://schemas.microsoft.com/office/drawing/2014/main" id="{72B4DA5E-133D-729C-2969-161D08E5A5C8}"/>
+              </a:ext>
+            </a:extLst>
+          </p:cNvPr>
+          <p:cNvSpPr/>
+          <p:nvPr/>
+        </p:nvSpPr>
+        <p:spPr>
+          <a:xfrm>
+            <a:off x="5504873" y="2791073"/>
+            <a:ext cx="4570485" cy="1881438"/>
+          </a:xfrm>
+          <a:custGeom>
+            <a:avLst/>
+            <a:gdLst>
+              <a:gd name="connsiteX0" fmla="*/ 0 w 4570485"/>
+              <a:gd name="connsiteY0" fmla="*/ 0 h 1881438"/>
+              <a:gd name="connsiteX1" fmla="*/ 525606 w 4570485"/>
+              <a:gd name="connsiteY1" fmla="*/ 0 h 1881438"/>
+              <a:gd name="connsiteX2" fmla="*/ 1096916 w 4570485"/>
+              <a:gd name="connsiteY2" fmla="*/ 0 h 1881438"/>
+              <a:gd name="connsiteX3" fmla="*/ 1759637 w 4570485"/>
+              <a:gd name="connsiteY3" fmla="*/ 0 h 1881438"/>
+              <a:gd name="connsiteX4" fmla="*/ 2376652 w 4570485"/>
+              <a:gd name="connsiteY4" fmla="*/ 0 h 1881438"/>
+              <a:gd name="connsiteX5" fmla="*/ 2810848 w 4570485"/>
+              <a:gd name="connsiteY5" fmla="*/ 0 h 1881438"/>
+              <a:gd name="connsiteX6" fmla="*/ 3336454 w 4570485"/>
+              <a:gd name="connsiteY6" fmla="*/ 0 h 1881438"/>
+              <a:gd name="connsiteX7" fmla="*/ 3999174 w 4570485"/>
+              <a:gd name="connsiteY7" fmla="*/ 0 h 1881438"/>
+              <a:gd name="connsiteX8" fmla="*/ 4570485 w 4570485"/>
+              <a:gd name="connsiteY8" fmla="*/ 0 h 1881438"/>
+              <a:gd name="connsiteX9" fmla="*/ 4570485 w 4570485"/>
+              <a:gd name="connsiteY9" fmla="*/ 489174 h 1881438"/>
+              <a:gd name="connsiteX10" fmla="*/ 4570485 w 4570485"/>
+              <a:gd name="connsiteY10" fmla="*/ 903090 h 1881438"/>
+              <a:gd name="connsiteX11" fmla="*/ 4570485 w 4570485"/>
+              <a:gd name="connsiteY11" fmla="*/ 1335821 h 1881438"/>
+              <a:gd name="connsiteX12" fmla="*/ 4570485 w 4570485"/>
+              <a:gd name="connsiteY12" fmla="*/ 1881438 h 1881438"/>
+              <a:gd name="connsiteX13" fmla="*/ 4090584 w 4570485"/>
+              <a:gd name="connsiteY13" fmla="*/ 1881438 h 1881438"/>
+              <a:gd name="connsiteX14" fmla="*/ 3656388 w 4570485"/>
+              <a:gd name="connsiteY14" fmla="*/ 1881438 h 1881438"/>
+              <a:gd name="connsiteX15" fmla="*/ 3222192 w 4570485"/>
+              <a:gd name="connsiteY15" fmla="*/ 1881438 h 1881438"/>
+              <a:gd name="connsiteX16" fmla="*/ 2605176 w 4570485"/>
+              <a:gd name="connsiteY16" fmla="*/ 1881438 h 1881438"/>
+              <a:gd name="connsiteX17" fmla="*/ 2170980 w 4570485"/>
+              <a:gd name="connsiteY17" fmla="*/ 1881438 h 1881438"/>
+              <a:gd name="connsiteX18" fmla="*/ 1599670 w 4570485"/>
+              <a:gd name="connsiteY18" fmla="*/ 1881438 h 1881438"/>
+              <a:gd name="connsiteX19" fmla="*/ 1119769 w 4570485"/>
+              <a:gd name="connsiteY19" fmla="*/ 1881438 h 1881438"/>
+              <a:gd name="connsiteX20" fmla="*/ 548458 w 4570485"/>
+              <a:gd name="connsiteY20" fmla="*/ 1881438 h 1881438"/>
+              <a:gd name="connsiteX21" fmla="*/ 0 w 4570485"/>
+              <a:gd name="connsiteY21" fmla="*/ 1881438 h 1881438"/>
+              <a:gd name="connsiteX22" fmla="*/ 0 w 4570485"/>
+              <a:gd name="connsiteY22" fmla="*/ 1411079 h 1881438"/>
+              <a:gd name="connsiteX23" fmla="*/ 0 w 4570485"/>
+              <a:gd name="connsiteY23" fmla="*/ 959533 h 1881438"/>
+              <a:gd name="connsiteX24" fmla="*/ 0 w 4570485"/>
+              <a:gd name="connsiteY24" fmla="*/ 507988 h 1881438"/>
+              <a:gd name="connsiteX25" fmla="*/ 0 w 4570485"/>
+              <a:gd name="connsiteY25" fmla="*/ 0 h 1881438"/>
+            </a:gdLst>
+            <a:ahLst/>
+            <a:cxnLst>
+              <a:cxn ang="0">
+                <a:pos x="connsiteX0" y="connsiteY0"/>
+              </a:cxn>
+              <a:cxn ang="0">
+                <a:pos x="connsiteX1" y="connsiteY1"/>
+              </a:cxn>
+              <a:cxn ang="0">
+                <a:pos x="connsiteX2" y="connsiteY2"/>
+              </a:cxn>
+              <a:cxn ang="0">
+                <a:pos x="connsiteX3" y="connsiteY3"/>
+              </a:cxn>
+              <a:cxn ang="0">
+                <a:pos x="connsiteX4" y="connsiteY4"/>
+              </a:cxn>
+              <a:cxn ang="0">
+                <a:pos x="connsiteX5" y="connsiteY5"/>
+              </a:cxn>
+              <a:cxn ang="0">
+                <a:pos x="connsiteX6" y="connsiteY6"/>
+              </a:cxn>
+              <a:cxn ang="0">
+                <a:pos x="connsiteX7" y="connsiteY7"/>
+              </a:cxn>
+              <a:cxn ang="0">
+                <a:pos x="connsiteX8" y="connsiteY8"/>
+              </a:cxn>
+              <a:cxn ang="0">
+                <a:pos x="connsiteX9" y="connsiteY9"/>
+              </a:cxn>
+              <a:cxn ang="0">
+                <a:pos x="connsiteX10" y="connsiteY10"/>
+              </a:cxn>
+              <a:cxn ang="0">
+                <a:pos x="connsiteX11" y="connsiteY11"/>
+              </a:cxn>
+              <a:cxn ang="0">
+                <a:pos x="connsiteX12" y="connsiteY12"/>
+              </a:cxn>
+              <a:cxn ang="0">
+                <a:pos x="connsiteX13" y="connsiteY13"/>
+              </a:cxn>
+              <a:cxn ang="0">
+                <a:pos x="connsiteX14" y="connsiteY14"/>
+              </a:cxn>
+              <a:cxn ang="0">
+                <a:pos x="connsiteX15" y="connsiteY15"/>
+              </a:cxn>
+              <a:cxn ang="0">
+                <a:pos x="connsiteX16" y="connsiteY16"/>
+              </a:cxn>
+              <a:cxn ang="0">
+                <a:pos x="connsiteX17" y="connsiteY17"/>
+              </a:cxn>
+              <a:cxn ang="0">
+                <a:pos x="connsiteX18" y="connsiteY18"/>
+              </a:cxn>
+              <a:cxn ang="0">
+                <a:pos x="connsiteX19" y="connsiteY19"/>
+              </a:cxn>
+              <a:cxn ang="0">
+                <a:pos x="connsiteX20" y="connsiteY20"/>
+              </a:cxn>
+              <a:cxn ang="0">
+                <a:pos x="connsiteX21" y="connsiteY21"/>
+              </a:cxn>
+              <a:cxn ang="0">
+                <a:pos x="connsiteX22" y="connsiteY22"/>
+              </a:cxn>
+              <a:cxn ang="0">
+                <a:pos x="connsiteX23" y="connsiteY23"/>
+              </a:cxn>
+              <a:cxn ang="0">
+                <a:pos x="connsiteX24" y="connsiteY24"/>
+              </a:cxn>
+              <a:cxn ang="0">
+                <a:pos x="connsiteX25" y="connsiteY25"/>
+              </a:cxn>
+            </a:cxnLst>
+            <a:rect l="l" t="t" r="r" b="b"/>
+            <a:pathLst>
+              <a:path w="4570485" h="1881438" fill="none" extrusionOk="0">
+                <a:moveTo>
+                  <a:pt x="0" y="0"/>
+                </a:moveTo>
+                <a:cubicBezTo>
+                  <a:pt x="115342" y="-39950"/>
+                  <a:pt x="383432" y="52672"/>
+                  <a:pt x="525606" y="0"/>
+                </a:cubicBezTo>
+                <a:cubicBezTo>
+                  <a:pt x="667780" y="-52672"/>
+                  <a:pt x="831567" y="23805"/>
+                  <a:pt x="1096916" y="0"/>
+                </a:cubicBezTo>
+                <a:cubicBezTo>
+                  <a:pt x="1362265" y="-23805"/>
+                  <a:pt x="1585487" y="7717"/>
+                  <a:pt x="1759637" y="0"/>
+                </a:cubicBezTo>
+                <a:cubicBezTo>
+                  <a:pt x="1933787" y="-7717"/>
+                  <a:pt x="2168750" y="51453"/>
+                  <a:pt x="2376652" y="0"/>
+                </a:cubicBezTo>
+                <a:cubicBezTo>
+                  <a:pt x="2584554" y="-51453"/>
+                  <a:pt x="2637080" y="30432"/>
+                  <a:pt x="2810848" y="0"/>
+                </a:cubicBezTo>
+                <a:cubicBezTo>
+                  <a:pt x="2984616" y="-30432"/>
+                  <a:pt x="3174219" y="47829"/>
+                  <a:pt x="3336454" y="0"/>
+                </a:cubicBezTo>
+                <a:cubicBezTo>
+                  <a:pt x="3498689" y="-47829"/>
+                  <a:pt x="3777182" y="23694"/>
+                  <a:pt x="3999174" y="0"/>
+                </a:cubicBezTo>
+                <a:cubicBezTo>
+                  <a:pt x="4221166" y="-23694"/>
+                  <a:pt x="4292163" y="3264"/>
+                  <a:pt x="4570485" y="0"/>
+                </a:cubicBezTo>
+                <a:cubicBezTo>
+                  <a:pt x="4584616" y="155363"/>
+                  <a:pt x="4524992" y="265027"/>
+                  <a:pt x="4570485" y="489174"/>
+                </a:cubicBezTo>
+                <a:cubicBezTo>
+                  <a:pt x="4615978" y="713321"/>
+                  <a:pt x="4549072" y="792551"/>
+                  <a:pt x="4570485" y="903090"/>
+                </a:cubicBezTo>
+                <a:cubicBezTo>
+                  <a:pt x="4591898" y="1013629"/>
+                  <a:pt x="4568192" y="1186745"/>
+                  <a:pt x="4570485" y="1335821"/>
+                </a:cubicBezTo>
+                <a:cubicBezTo>
+                  <a:pt x="4572778" y="1484897"/>
+                  <a:pt x="4547427" y="1710448"/>
+                  <a:pt x="4570485" y="1881438"/>
+                </a:cubicBezTo>
+                <a:cubicBezTo>
+                  <a:pt x="4398642" y="1898835"/>
+                  <a:pt x="4193749" y="1827678"/>
+                  <a:pt x="4090584" y="1881438"/>
+                </a:cubicBezTo>
+                <a:cubicBezTo>
+                  <a:pt x="3987419" y="1935198"/>
+                  <a:pt x="3854163" y="1871166"/>
+                  <a:pt x="3656388" y="1881438"/>
+                </a:cubicBezTo>
+                <a:cubicBezTo>
+                  <a:pt x="3458613" y="1891710"/>
+                  <a:pt x="3403142" y="1829697"/>
+                  <a:pt x="3222192" y="1881438"/>
+                </a:cubicBezTo>
+                <a:cubicBezTo>
+                  <a:pt x="3041242" y="1933179"/>
+                  <a:pt x="2824715" y="1846555"/>
+                  <a:pt x="2605176" y="1881438"/>
+                </a:cubicBezTo>
+                <a:cubicBezTo>
+                  <a:pt x="2385637" y="1916321"/>
+                  <a:pt x="2314827" y="1853740"/>
+                  <a:pt x="2170980" y="1881438"/>
+                </a:cubicBezTo>
+                <a:cubicBezTo>
+                  <a:pt x="2027133" y="1909136"/>
+                  <a:pt x="1851278" y="1818681"/>
+                  <a:pt x="1599670" y="1881438"/>
+                </a:cubicBezTo>
+                <a:cubicBezTo>
+                  <a:pt x="1348062" y="1944195"/>
+                  <a:pt x="1314110" y="1854717"/>
+                  <a:pt x="1119769" y="1881438"/>
+                </a:cubicBezTo>
+                <a:cubicBezTo>
+                  <a:pt x="925428" y="1908159"/>
+                  <a:pt x="817339" y="1853380"/>
+                  <a:pt x="548458" y="1881438"/>
+                </a:cubicBezTo>
+                <a:cubicBezTo>
+                  <a:pt x="279577" y="1909496"/>
+                  <a:pt x="112531" y="1823478"/>
+                  <a:pt x="0" y="1881438"/>
+                </a:cubicBezTo>
+                <a:cubicBezTo>
+                  <a:pt x="-10078" y="1657801"/>
+                  <a:pt x="25425" y="1638185"/>
+                  <a:pt x="0" y="1411079"/>
+                </a:cubicBezTo>
+                <a:cubicBezTo>
+                  <a:pt x="-25425" y="1183973"/>
+                  <a:pt x="50046" y="1136728"/>
+                  <a:pt x="0" y="959533"/>
+                </a:cubicBezTo>
+                <a:cubicBezTo>
+                  <a:pt x="-50046" y="782338"/>
+                  <a:pt x="53201" y="706087"/>
+                  <a:pt x="0" y="507988"/>
+                </a:cubicBezTo>
+                <a:cubicBezTo>
+                  <a:pt x="-53201" y="309890"/>
+                  <a:pt x="42827" y="140973"/>
+                  <a:pt x="0" y="0"/>
+                </a:cubicBezTo>
+                <a:close/>
+              </a:path>
+              <a:path w="4570485" h="1881438" stroke="0" extrusionOk="0">
+                <a:moveTo>
+                  <a:pt x="0" y="0"/>
+                </a:moveTo>
+                <a:cubicBezTo>
+                  <a:pt x="109770" y="-59952"/>
+                  <a:pt x="310239" y="32760"/>
+                  <a:pt x="525606" y="0"/>
+                </a:cubicBezTo>
+                <a:cubicBezTo>
+                  <a:pt x="740973" y="-32760"/>
+                  <a:pt x="862441" y="43325"/>
+                  <a:pt x="959802" y="0"/>
+                </a:cubicBezTo>
+                <a:cubicBezTo>
+                  <a:pt x="1057163" y="-43325"/>
+                  <a:pt x="1314479" y="57931"/>
+                  <a:pt x="1622522" y="0"/>
+                </a:cubicBezTo>
+                <a:cubicBezTo>
+                  <a:pt x="1930565" y="-57931"/>
+                  <a:pt x="2024115" y="30523"/>
+                  <a:pt x="2148128" y="0"/>
+                </a:cubicBezTo>
+                <a:cubicBezTo>
+                  <a:pt x="2272141" y="-30523"/>
+                  <a:pt x="2476955" y="27444"/>
+                  <a:pt x="2673734" y="0"/>
+                </a:cubicBezTo>
+                <a:cubicBezTo>
+                  <a:pt x="2870513" y="-27444"/>
+                  <a:pt x="3144498" y="29354"/>
+                  <a:pt x="3336454" y="0"/>
+                </a:cubicBezTo>
+                <a:cubicBezTo>
+                  <a:pt x="3528410" y="-29354"/>
+                  <a:pt x="3663556" y="40208"/>
+                  <a:pt x="3816355" y="0"/>
+                </a:cubicBezTo>
+                <a:cubicBezTo>
+                  <a:pt x="3969154" y="-40208"/>
+                  <a:pt x="4234269" y="84539"/>
+                  <a:pt x="4570485" y="0"/>
+                </a:cubicBezTo>
+                <a:cubicBezTo>
+                  <a:pt x="4619542" y="152786"/>
+                  <a:pt x="4518172" y="308412"/>
+                  <a:pt x="4570485" y="507988"/>
+                </a:cubicBezTo>
+                <a:cubicBezTo>
+                  <a:pt x="4622798" y="707564"/>
+                  <a:pt x="4547713" y="788952"/>
+                  <a:pt x="4570485" y="940719"/>
+                </a:cubicBezTo>
+                <a:cubicBezTo>
+                  <a:pt x="4593257" y="1092486"/>
+                  <a:pt x="4567146" y="1238007"/>
+                  <a:pt x="4570485" y="1411079"/>
+                </a:cubicBezTo>
+                <a:cubicBezTo>
+                  <a:pt x="4573824" y="1584151"/>
+                  <a:pt x="4543203" y="1757973"/>
+                  <a:pt x="4570485" y="1881438"/>
+                </a:cubicBezTo>
+                <a:cubicBezTo>
+                  <a:pt x="4373801" y="1933264"/>
+                  <a:pt x="4311560" y="1874489"/>
+                  <a:pt x="4136289" y="1881438"/>
+                </a:cubicBezTo>
+                <a:cubicBezTo>
+                  <a:pt x="3961018" y="1888387"/>
+                  <a:pt x="3800679" y="1844773"/>
+                  <a:pt x="3473569" y="1881438"/>
+                </a:cubicBezTo>
+                <a:cubicBezTo>
+                  <a:pt x="3146459" y="1918103"/>
+                  <a:pt x="3113168" y="1834596"/>
+                  <a:pt x="2993668" y="1881438"/>
+                </a:cubicBezTo>
+                <a:cubicBezTo>
+                  <a:pt x="2874168" y="1928280"/>
+                  <a:pt x="2567041" y="1842213"/>
+                  <a:pt x="2422357" y="1881438"/>
+                </a:cubicBezTo>
+                <a:cubicBezTo>
+                  <a:pt x="2277673" y="1920663"/>
+                  <a:pt x="1917108" y="1871278"/>
+                  <a:pt x="1759637" y="1881438"/>
+                </a:cubicBezTo>
+                <a:cubicBezTo>
+                  <a:pt x="1602166" y="1891598"/>
+                  <a:pt x="1340803" y="1872632"/>
+                  <a:pt x="1188326" y="1881438"/>
+                </a:cubicBezTo>
+                <a:cubicBezTo>
+                  <a:pt x="1035849" y="1890244"/>
+                  <a:pt x="896057" y="1830192"/>
+                  <a:pt x="754130" y="1881438"/>
+                </a:cubicBezTo>
+                <a:cubicBezTo>
+                  <a:pt x="612203" y="1932684"/>
+                  <a:pt x="220936" y="1846578"/>
+                  <a:pt x="0" y="1881438"/>
+                </a:cubicBezTo>
+                <a:cubicBezTo>
+                  <a:pt x="-55255" y="1765109"/>
+                  <a:pt x="34996" y="1599221"/>
+                  <a:pt x="0" y="1373450"/>
+                </a:cubicBezTo>
+                <a:cubicBezTo>
+                  <a:pt x="-34996" y="1147679"/>
+                  <a:pt x="24149" y="1102645"/>
+                  <a:pt x="0" y="865461"/>
+                </a:cubicBezTo>
+                <a:cubicBezTo>
+                  <a:pt x="-24149" y="628277"/>
+                  <a:pt x="56614" y="331028"/>
+                  <a:pt x="0" y="0"/>
+                </a:cubicBezTo>
+                <a:close/>
+              </a:path>
+            </a:pathLst>
+          </a:custGeom>
+          <a:solidFill>
+            <a:schemeClr val="bg1"/>
+          </a:solidFill>
+          <a:ln>
+            <a:gradFill>
+              <a:gsLst>
+                <a:gs pos="0">
+                  <a:schemeClr val="accent6">
+                    <a:lumMod val="40000"/>
+                    <a:lumOff val="60000"/>
+                  </a:schemeClr>
+                </a:gs>
+                <a:gs pos="100000">
+                  <a:schemeClr val="accent6">
+                    <a:lumMod val="75000"/>
+                  </a:schemeClr>
+                </a:gs>
+              </a:gsLst>
+              <a:lin ang="10800000" scaled="0"/>
+            </a:gradFill>
+            <a:prstDash val="dash"/>
+            <a:extLst>
+              <a:ext uri="{C807C97D-BFC1-408E-A445-0C87EB9F89A2}">
+                <ask:lineSketchStyleProps xmlns:ask="http://schemas.microsoft.com/office/drawing/2018/sketchyshapes" sd="1219033472">
+                  <a:prstGeom prst="flowChartProcess">
+                    <a:avLst/>
+                  </a:prstGeom>
+                  <ask:type>
+                    <ask:lineSketchScribble/>
+                  </ask:type>
+                </ask:lineSketchStyleProps>
+              </a:ext>
+            </a:extLst>
+          </a:ln>
+        </p:spPr>
+        <p:style>
+          <a:lnRef idx="2">
+            <a:schemeClr val="accent1">
+              <a:shade val="50000"/>
+            </a:schemeClr>
+          </a:lnRef>
+          <a:fillRef idx="1">
+            <a:schemeClr val="accent1"/>
+          </a:fillRef>
+          <a:effectRef idx="0">
+            <a:schemeClr val="accent1"/>
+          </a:effectRef>
+          <a:fontRef idx="minor">
+            <a:schemeClr val="lt1"/>
+          </a:fontRef>
+        </p:style>
+        <p:txBody>
+          <a:bodyPr rtlCol="0" anchor="t"/>
+          <a:lstStyle/>
+          <a:p>
+            <a:pPr algn="r"/>
+            <a:r>
+              <a:rPr lang="en-US" dirty="0">
                 <a:solidFill>
                   <a:schemeClr val="accent6"/>
                 </a:solidFill>
@@ -12046,6 +13442,85 @@
     <p:extLst>
       <p:ext uri="{BB962C8B-B14F-4D97-AF65-F5344CB8AC3E}">
         <p14:creationId xmlns:p14="http://schemas.microsoft.com/office/powerpoint/2010/main" val="1317037868"/>
+      </p:ext>
+    </p:extLst>
+  </p:cSld>
+  <p:clrMapOvr>
+    <a:masterClrMapping/>
+  </p:clrMapOvr>
+</p:sld>
+</file>
+
+<file path=ppt/slides/slide18.xml><?xml version="1.0" encoding="utf-8"?>
+<p:sld xmlns:a="http://schemas.openxmlformats.org/drawingml/2006/main" xmlns:r="http://schemas.openxmlformats.org/officeDocument/2006/relationships" xmlns:p="http://schemas.openxmlformats.org/presentationml/2006/main">
+  <p:cSld>
+    <p:spTree>
+      <p:nvGrpSpPr>
+        <p:cNvPr id="1" name=""/>
+        <p:cNvGrpSpPr/>
+        <p:nvPr/>
+      </p:nvGrpSpPr>
+      <p:grpSpPr>
+        <a:xfrm>
+          <a:off x="0" y="0"/>
+          <a:ext cx="0" cy="0"/>
+          <a:chOff x="0" y="0"/>
+          <a:chExt cx="0" cy="0"/>
+        </a:xfrm>
+      </p:grpSpPr>
+      <p:sp>
+        <p:nvSpPr>
+          <p:cNvPr id="6" name="Title 1">
+            <a:extLst>
+              <a:ext uri="{FF2B5EF4-FFF2-40B4-BE49-F238E27FC236}">
+                <a16:creationId xmlns:a16="http://schemas.microsoft.com/office/drawing/2014/main" id="{493D5301-4D85-8244-53A4-5C9AA9489813}"/>
+              </a:ext>
+            </a:extLst>
+          </p:cNvPr>
+          <p:cNvSpPr>
+            <a:spLocks noGrp="1"/>
+          </p:cNvSpPr>
+          <p:nvPr>
+            <p:ph type="title"/>
+          </p:nvPr>
+        </p:nvSpPr>
+        <p:spPr>
+          <a:xfrm>
+            <a:off x="2744177" y="2766218"/>
+            <a:ext cx="6703646" cy="1325563"/>
+          </a:xfrm>
+        </p:spPr>
+        <p:txBody>
+          <a:bodyPr>
+            <a:normAutofit/>
+          </a:bodyPr>
+          <a:lstStyle/>
+          <a:p>
+            <a:pPr algn="ctr"/>
+            <a:r>
+              <a:rPr lang="en-US" sz="2400" dirty="0" err="1"/>
+              <a:t>Tak</a:t>
+            </a:r>
+            <a:r>
+              <a:rPr lang="en-US" sz="2400" dirty="0"/>
+              <a:t> for </a:t>
+            </a:r>
+            <a:r>
+              <a:rPr lang="en-US" sz="2400" dirty="0" err="1"/>
+              <a:t>opmærksomheden</a:t>
+            </a:r>
+            <a:r>
+              <a:rPr lang="en-US" sz="2400" dirty="0"/>
+              <a:t>.</a:t>
+            </a:r>
+            <a:endParaRPr lang="da-DK" sz="2400" dirty="0"/>
+          </a:p>
+        </p:txBody>
+      </p:sp>
+    </p:spTree>
+    <p:extLst>
+      <p:ext uri="{BB962C8B-B14F-4D97-AF65-F5344CB8AC3E}">
+        <p14:creationId xmlns:p14="http://schemas.microsoft.com/office/powerpoint/2010/main" val="874805967"/>
       </p:ext>
     </p:extLst>
   </p:cSld>
@@ -12087,7 +13562,7 @@
         <p:spPr>
           <a:xfrm>
             <a:off x="2964872" y="2551837"/>
-            <a:ext cx="6262255" cy="2031325"/>
+            <a:ext cx="6262255" cy="2308324"/>
           </a:xfrm>
           <a:prstGeom prst="rect">
             <a:avLst/>
@@ -12108,7 +13583,25 @@
                 </a:solidFill>
                 <a:latin typeface="Calibri" panose="020F0502020204030204" pitchFamily="34" charset="0"/>
               </a:rPr>
-              <a:t>LogSearcher skal have en grafisk brugerflade (GUI). </a:t>
+              <a:t>LogSearcher skal have en </a:t>
+            </a:r>
+            <a:r>
+              <a:rPr lang="da-DK" sz="1800" b="1" i="0" u="none" strike="noStrike" baseline="0" dirty="0">
+                <a:solidFill>
+                  <a:srgbClr val="000000"/>
+                </a:solidFill>
+                <a:latin typeface="Calibri" panose="020F0502020204030204" pitchFamily="34" charset="0"/>
+              </a:rPr>
+              <a:t>grafisk brugerflade </a:t>
+            </a:r>
+            <a:r>
+              <a:rPr lang="da-DK" sz="1800" b="0" i="0" u="none" strike="noStrike" baseline="0" dirty="0">
+                <a:solidFill>
+                  <a:srgbClr val="000000"/>
+                </a:solidFill>
+                <a:latin typeface="Calibri" panose="020F0502020204030204" pitchFamily="34" charset="0"/>
+              </a:rPr>
+              <a:t>(GUI). </a:t>
             </a:r>
             <a:br>
               <a:rPr lang="da-DK" sz="1800" b="0" i="0" u="none" strike="noStrike" baseline="0" dirty="0">
@@ -12143,7 +13636,25 @@
                 </a:solidFill>
                 <a:latin typeface="Calibri" panose="020F0502020204030204" pitchFamily="34" charset="0"/>
               </a:rPr>
-              <a:t> skal facilitere indsamling af logs fra forbundne systemer, </a:t>
+              <a:t> skal facilitere </a:t>
+            </a:r>
+            <a:r>
+              <a:rPr lang="da-DK" sz="1800" b="1" i="0" u="none" strike="noStrike" baseline="0" dirty="0">
+                <a:solidFill>
+                  <a:srgbClr val="000000"/>
+                </a:solidFill>
+                <a:latin typeface="Calibri" panose="020F0502020204030204" pitchFamily="34" charset="0"/>
+              </a:rPr>
+              <a:t>indsamling af logs </a:t>
+            </a:r>
+            <a:r>
+              <a:rPr lang="da-DK" sz="1800" b="0" i="0" u="none" strike="noStrike" baseline="0" dirty="0">
+                <a:solidFill>
+                  <a:srgbClr val="000000"/>
+                </a:solidFill>
+                <a:latin typeface="Calibri" panose="020F0502020204030204" pitchFamily="34" charset="0"/>
+              </a:rPr>
+              <a:t>fra forbundne systemer, </a:t>
             </a:r>
           </a:p>
           <a:p>
@@ -12157,13 +13668,40 @@
               </a:rPr>
             </a:br>
             <a:r>
+              <a:rPr lang="da-DK" sz="1800" b="1" i="0" u="none" strike="noStrike" baseline="0" dirty="0">
+                <a:solidFill>
+                  <a:srgbClr val="000000"/>
+                </a:solidFill>
+                <a:latin typeface="Calibri" panose="020F0502020204030204" pitchFamily="34" charset="0"/>
+              </a:rPr>
+              <a:t>gennemsøgning</a:t>
+            </a:r>
+            <a:r>
               <a:rPr lang="da-DK" sz="1800" b="0" i="0" u="none" strike="noStrike" baseline="0" dirty="0">
                 <a:solidFill>
                   <a:srgbClr val="000000"/>
                 </a:solidFill>
                 <a:latin typeface="Calibri" panose="020F0502020204030204" pitchFamily="34" charset="0"/>
               </a:rPr>
-              <a:t>gennemsøgning af logs på basis af søge-termer og tidshorisonter,</a:t>
+              <a:t> af logs på basis af </a:t>
+            </a:r>
+            <a:r>
+              <a:rPr lang="da-DK" sz="1800" b="1" i="0" u="none" strike="noStrike" baseline="0" dirty="0">
+                <a:solidFill>
+                  <a:srgbClr val="000000"/>
+                </a:solidFill>
+                <a:latin typeface="Calibri" panose="020F0502020204030204" pitchFamily="34" charset="0"/>
+              </a:rPr>
+              <a:t>søge-termer og tidshorisonter</a:t>
+            </a:r>
+            <a:r>
+              <a:rPr lang="da-DK" sz="1800" b="0" i="0" u="none" strike="noStrike" baseline="0" dirty="0">
+                <a:solidFill>
+                  <a:srgbClr val="000000"/>
+                </a:solidFill>
+                <a:latin typeface="Calibri" panose="020F0502020204030204" pitchFamily="34" charset="0"/>
+              </a:rPr>
+              <a:t>,</a:t>
             </a:r>
           </a:p>
           <a:p>
@@ -12184,7 +13722,25 @@
                 </a:solidFill>
                 <a:latin typeface="Calibri" panose="020F0502020204030204" pitchFamily="34" charset="0"/>
               </a:rPr>
-              <a:t>og udstille resultaterne fra søgningerne. </a:t>
+              <a:t>og </a:t>
+            </a:r>
+            <a:r>
+              <a:rPr lang="da-DK" sz="1800" b="1" i="0" u="none" strike="noStrike" baseline="0" dirty="0">
+                <a:solidFill>
+                  <a:srgbClr val="000000"/>
+                </a:solidFill>
+                <a:latin typeface="Calibri" panose="020F0502020204030204" pitchFamily="34" charset="0"/>
+              </a:rPr>
+              <a:t>udstille</a:t>
+            </a:r>
+            <a:r>
+              <a:rPr lang="da-DK" sz="1800" b="0" i="0" u="none" strike="noStrike" baseline="0" dirty="0">
+                <a:solidFill>
+                  <a:srgbClr val="000000"/>
+                </a:solidFill>
+                <a:latin typeface="Calibri" panose="020F0502020204030204" pitchFamily="34" charset="0"/>
+              </a:rPr>
+              <a:t> resultaterne fra søgningerne. </a:t>
             </a:r>
             <a:endParaRPr lang="da-DK" dirty="0"/>
           </a:p>
@@ -13751,7 +15307,23 @@
             </a:r>
             <a:r>
               <a:rPr lang="en-US" dirty="0"/>
-              <a:t> tries og Binary Search Trees.</a:t>
+              <a:t> </a:t>
+            </a:r>
+            <a:r>
+              <a:rPr lang="en-US" b="1" dirty="0"/>
+              <a:t>Tries</a:t>
+            </a:r>
+            <a:r>
+              <a:rPr lang="en-US" dirty="0"/>
+              <a:t> og </a:t>
+            </a:r>
+            <a:r>
+              <a:rPr lang="en-US" b="1" dirty="0"/>
+              <a:t>Binary Search Trees</a:t>
+            </a:r>
+            <a:r>
+              <a:rPr lang="en-US" dirty="0"/>
+              <a:t>.</a:t>
             </a:r>
             <a:endParaRPr lang="da-DK" dirty="0"/>
           </a:p>

--- a/LogSearcher.pptx
+++ b/LogSearcher.pptx
@@ -8,8 +8,8 @@
     <p:sldId id="256" r:id="rId2"/>
     <p:sldId id="275" r:id="rId3"/>
     <p:sldId id="257" r:id="rId4"/>
-    <p:sldId id="259" r:id="rId5"/>
-    <p:sldId id="260" r:id="rId6"/>
+    <p:sldId id="260" r:id="rId5"/>
+    <p:sldId id="259" r:id="rId6"/>
     <p:sldId id="261" r:id="rId7"/>
     <p:sldId id="265" r:id="rId8"/>
     <p:sldId id="262" r:id="rId9"/>
@@ -852,7 +852,7 @@
           <a:p>
             <a:fld id="{E4F54686-28C7-41F7-9FF9-CCD97C84AAF1}" type="datetimeFigureOut">
               <a:rPr lang="da-DK" smtClean="0"/>
-              <a:t>15-01-2023</a:t>
+              <a:t>16-01-2023</a:t>
             </a:fld>
             <a:endParaRPr lang="da-DK"/>
           </a:p>
@@ -1103,7 +1103,7 @@
           <a:p>
             <a:fld id="{E4F54686-28C7-41F7-9FF9-CCD97C84AAF1}" type="datetimeFigureOut">
               <a:rPr lang="da-DK" smtClean="0"/>
-              <a:t>15-01-2023</a:t>
+              <a:t>16-01-2023</a:t>
             </a:fld>
             <a:endParaRPr lang="da-DK"/>
           </a:p>
@@ -1417,7 +1417,7 @@
           <a:p>
             <a:fld id="{E4F54686-28C7-41F7-9FF9-CCD97C84AAF1}" type="datetimeFigureOut">
               <a:rPr lang="da-DK" smtClean="0"/>
-              <a:t>15-01-2023</a:t>
+              <a:t>16-01-2023</a:t>
             </a:fld>
             <a:endParaRPr lang="da-DK"/>
           </a:p>
@@ -1758,7 +1758,7 @@
           <a:p>
             <a:fld id="{E4F54686-28C7-41F7-9FF9-CCD97C84AAF1}" type="datetimeFigureOut">
               <a:rPr lang="da-DK" smtClean="0"/>
-              <a:t>15-01-2023</a:t>
+              <a:t>16-01-2023</a:t>
             </a:fld>
             <a:endParaRPr lang="da-DK"/>
           </a:p>
@@ -2072,7 +2072,7 @@
           <a:p>
             <a:fld id="{E4F54686-28C7-41F7-9FF9-CCD97C84AAF1}" type="datetimeFigureOut">
               <a:rPr lang="da-DK" smtClean="0"/>
-              <a:t>15-01-2023</a:t>
+              <a:t>16-01-2023</a:t>
             </a:fld>
             <a:endParaRPr lang="da-DK"/>
           </a:p>
@@ -2465,7 +2465,7 @@
           <a:p>
             <a:fld id="{E4F54686-28C7-41F7-9FF9-CCD97C84AAF1}" type="datetimeFigureOut">
               <a:rPr lang="da-DK" smtClean="0"/>
-              <a:t>15-01-2023</a:t>
+              <a:t>16-01-2023</a:t>
             </a:fld>
             <a:endParaRPr lang="da-DK"/>
           </a:p>
@@ -2635,7 +2635,7 @@
           <a:p>
             <a:fld id="{E4F54686-28C7-41F7-9FF9-CCD97C84AAF1}" type="datetimeFigureOut">
               <a:rPr lang="da-DK" smtClean="0"/>
-              <a:t>15-01-2023</a:t>
+              <a:t>16-01-2023</a:t>
             </a:fld>
             <a:endParaRPr lang="da-DK"/>
           </a:p>
@@ -2815,7 +2815,7 @@
           <a:p>
             <a:fld id="{E4F54686-28C7-41F7-9FF9-CCD97C84AAF1}" type="datetimeFigureOut">
               <a:rPr lang="da-DK" smtClean="0"/>
-              <a:t>15-01-2023</a:t>
+              <a:t>16-01-2023</a:t>
             </a:fld>
             <a:endParaRPr lang="da-DK"/>
           </a:p>
@@ -2991,7 +2991,7 @@
           <a:p>
             <a:fld id="{E4F54686-28C7-41F7-9FF9-CCD97C84AAF1}" type="datetimeFigureOut">
               <a:rPr lang="da-DK" smtClean="0"/>
-              <a:t>15-01-2023</a:t>
+              <a:t>16-01-2023</a:t>
             </a:fld>
             <a:endParaRPr lang="da-DK"/>
           </a:p>
@@ -3238,7 +3238,7 @@
           <a:p>
             <a:fld id="{E4F54686-28C7-41F7-9FF9-CCD97C84AAF1}" type="datetimeFigureOut">
               <a:rPr lang="da-DK" smtClean="0"/>
-              <a:t>15-01-2023</a:t>
+              <a:t>16-01-2023</a:t>
             </a:fld>
             <a:endParaRPr lang="da-DK"/>
           </a:p>
@@ -3470,7 +3470,7 @@
           <a:p>
             <a:fld id="{E4F54686-28C7-41F7-9FF9-CCD97C84AAF1}" type="datetimeFigureOut">
               <a:rPr lang="da-DK" smtClean="0"/>
-              <a:t>15-01-2023</a:t>
+              <a:t>16-01-2023</a:t>
             </a:fld>
             <a:endParaRPr lang="da-DK"/>
           </a:p>
@@ -3844,7 +3844,7 @@
           <a:p>
             <a:fld id="{E4F54686-28C7-41F7-9FF9-CCD97C84AAF1}" type="datetimeFigureOut">
               <a:rPr lang="da-DK" smtClean="0"/>
-              <a:t>15-01-2023</a:t>
+              <a:t>16-01-2023</a:t>
             </a:fld>
             <a:endParaRPr lang="da-DK"/>
           </a:p>
@@ -3967,7 +3967,7 @@
           <a:p>
             <a:fld id="{E4F54686-28C7-41F7-9FF9-CCD97C84AAF1}" type="datetimeFigureOut">
               <a:rPr lang="da-DK" smtClean="0"/>
-              <a:t>15-01-2023</a:t>
+              <a:t>16-01-2023</a:t>
             </a:fld>
             <a:endParaRPr lang="da-DK"/>
           </a:p>
@@ -4062,7 +4062,7 @@
           <a:p>
             <a:fld id="{E4F54686-28C7-41F7-9FF9-CCD97C84AAF1}" type="datetimeFigureOut">
               <a:rPr lang="da-DK" smtClean="0"/>
-              <a:t>15-01-2023</a:t>
+              <a:t>16-01-2023</a:t>
             </a:fld>
             <a:endParaRPr lang="da-DK"/>
           </a:p>
@@ -4317,7 +4317,7 @@
           <a:p>
             <a:fld id="{E4F54686-28C7-41F7-9FF9-CCD97C84AAF1}" type="datetimeFigureOut">
               <a:rPr lang="da-DK" smtClean="0"/>
-              <a:t>15-01-2023</a:t>
+              <a:t>16-01-2023</a:t>
             </a:fld>
             <a:endParaRPr lang="da-DK"/>
           </a:p>
@@ -4580,7 +4580,7 @@
           <a:p>
             <a:fld id="{E4F54686-28C7-41F7-9FF9-CCD97C84AAF1}" type="datetimeFigureOut">
               <a:rPr lang="da-DK" smtClean="0"/>
-              <a:t>15-01-2023</a:t>
+              <a:t>16-01-2023</a:t>
             </a:fld>
             <a:endParaRPr lang="da-DK"/>
           </a:p>
@@ -5323,7 +5323,7 @@
           <a:p>
             <a:fld id="{E4F54686-28C7-41F7-9FF9-CCD97C84AAF1}" type="datetimeFigureOut">
               <a:rPr lang="da-DK" smtClean="0"/>
-              <a:t>15-01-2023</a:t>
+              <a:t>16-01-2023</a:t>
             </a:fld>
             <a:endParaRPr lang="da-DK"/>
           </a:p>
@@ -5863,8 +5863,8 @@
         </p:nvSpPr>
         <p:spPr>
           <a:xfrm>
-            <a:off x="3264353" y="2772507"/>
-            <a:ext cx="5663294" cy="1312985"/>
+            <a:off x="994299" y="2772507"/>
+            <a:ext cx="8868792" cy="1312985"/>
           </a:xfrm>
           <a:prstGeom prst="rect">
             <a:avLst/>
@@ -5950,7 +5950,15 @@
             <a:pPr algn="ctr"/>
             <a:r>
               <a:rPr lang="en-US" dirty="0"/>
-              <a:t>LogSearcher</a:t>
+              <a:t>Udvikling </a:t>
+            </a:r>
+            <a:r>
+              <a:rPr lang="en-US" dirty="0" err="1"/>
+              <a:t>af</a:t>
+            </a:r>
+            <a:r>
+              <a:rPr lang="en-US" dirty="0"/>
+              <a:t> LogSearcher</a:t>
             </a:r>
             <a:endParaRPr lang="da-DK" dirty="0"/>
           </a:p>
@@ -16784,548 +16792,6 @@
       </p:grpSpPr>
       <p:sp>
         <p:nvSpPr>
-          <p:cNvPr id="4" name="TextBox 3">
-            <a:extLst>
-              <a:ext uri="{FF2B5EF4-FFF2-40B4-BE49-F238E27FC236}">
-                <a16:creationId xmlns:a16="http://schemas.microsoft.com/office/drawing/2014/main" id="{1489911D-BDFD-6A0D-CD51-74E9082B07D0}"/>
-              </a:ext>
-            </a:extLst>
-          </p:cNvPr>
-          <p:cNvSpPr txBox="1"/>
-          <p:nvPr/>
-        </p:nvSpPr>
-        <p:spPr>
-          <a:xfrm>
-            <a:off x="905162" y="631454"/>
-            <a:ext cx="7033491" cy="3416320"/>
-          </a:xfrm>
-          <a:prstGeom prst="rect">
-            <a:avLst/>
-          </a:prstGeom>
-          <a:noFill/>
-          <a:ln>
-            <a:solidFill>
-              <a:schemeClr val="accent5"/>
-            </a:solidFill>
-            <a:prstDash val="dash"/>
-          </a:ln>
-        </p:spPr>
-        <p:txBody>
-          <a:bodyPr wrap="square" rtlCol="0">
-            <a:spAutoFit/>
-          </a:bodyPr>
-          <a:lstStyle/>
-          <a:p>
-            <a:r>
-              <a:rPr lang="en-US" dirty="0"/>
-              <a:t>(</a:t>
-            </a:r>
-            <a:r>
-              <a:rPr lang="en-US" dirty="0" err="1"/>
-              <a:t>kør</a:t>
-            </a:r>
-            <a:r>
-              <a:rPr lang="en-US" dirty="0"/>
-              <a:t> script 1resetG3.cmd)</a:t>
-            </a:r>
-          </a:p>
-          <a:p>
-            <a:r>
-              <a:rPr lang="en-US" dirty="0"/>
-              <a:t>Load 2 </a:t>
-            </a:r>
-            <a:r>
-              <a:rPr lang="en-US" dirty="0" err="1"/>
-              <a:t>sæt</a:t>
-            </a:r>
-            <a:r>
-              <a:rPr lang="en-US" dirty="0"/>
-              <a:t> filer (G1+2)</a:t>
-            </a:r>
-            <a:br>
-              <a:rPr lang="en-US" dirty="0"/>
-            </a:br>
-            <a:r>
-              <a:rPr lang="en-US" dirty="0" err="1"/>
-              <a:t>vælg</a:t>
-            </a:r>
-            <a:r>
-              <a:rPr lang="en-US" dirty="0"/>
-              <a:t> G1-2, </a:t>
-            </a:r>
-            <a:r>
-              <a:rPr lang="en-US" dirty="0" err="1"/>
-              <a:t>søg</a:t>
-            </a:r>
-            <a:r>
-              <a:rPr lang="en-US" dirty="0"/>
-              <a:t> </a:t>
-            </a:r>
-            <a:r>
-              <a:rPr lang="en-US" dirty="0" err="1"/>
-              <a:t>uden</a:t>
-            </a:r>
-            <a:r>
-              <a:rPr lang="en-US" dirty="0"/>
-              <a:t> keyword, med default </a:t>
-            </a:r>
-            <a:r>
-              <a:rPr lang="en-US" dirty="0" err="1"/>
-              <a:t>tids</a:t>
-            </a:r>
-            <a:r>
-              <a:rPr lang="en-US" dirty="0"/>
-              <a:t>-interval</a:t>
-            </a:r>
-          </a:p>
-          <a:p>
-            <a:endParaRPr lang="en-US" dirty="0"/>
-          </a:p>
-          <a:p>
-            <a:r>
-              <a:rPr lang="en-US" dirty="0"/>
-              <a:t>Load G3	</a:t>
-            </a:r>
-          </a:p>
-          <a:p>
-            <a:r>
-              <a:rPr lang="en-US" dirty="0" err="1"/>
-              <a:t>Vælg</a:t>
-            </a:r>
-            <a:r>
-              <a:rPr lang="en-US" dirty="0"/>
-              <a:t> G1-3, </a:t>
-            </a:r>
-            <a:r>
-              <a:rPr lang="en-US" dirty="0" err="1"/>
-              <a:t>søg</a:t>
-            </a:r>
-            <a:r>
-              <a:rPr lang="en-US" dirty="0"/>
-              <a:t> </a:t>
-            </a:r>
-            <a:r>
-              <a:rPr lang="en-US" dirty="0" err="1"/>
-              <a:t>uden</a:t>
-            </a:r>
-            <a:r>
-              <a:rPr lang="en-US" dirty="0"/>
-              <a:t> keyword</a:t>
-            </a:r>
-          </a:p>
-          <a:p>
-            <a:r>
-              <a:rPr lang="en-US" dirty="0"/>
-              <a:t>	</a:t>
-            </a:r>
-            <a:r>
-              <a:rPr lang="en-US" dirty="0" err="1"/>
-              <a:t>skift</a:t>
-            </a:r>
-            <a:r>
-              <a:rPr lang="en-US" dirty="0"/>
-              <a:t> </a:t>
-            </a:r>
-            <a:r>
-              <a:rPr lang="en-US" dirty="0" err="1"/>
-              <a:t>tidsinterval</a:t>
-            </a:r>
-            <a:r>
-              <a:rPr lang="en-US" dirty="0"/>
-              <a:t> slut@1.jan21, </a:t>
-            </a:r>
-            <a:r>
-              <a:rPr lang="en-US" dirty="0" err="1"/>
-              <a:t>gentag</a:t>
-            </a:r>
-            <a:r>
-              <a:rPr lang="en-US" dirty="0"/>
-              <a:t> </a:t>
-            </a:r>
-            <a:r>
-              <a:rPr lang="en-US" dirty="0" err="1"/>
-              <a:t>søgning</a:t>
-            </a:r>
-            <a:r>
-              <a:rPr lang="en-US" dirty="0"/>
-              <a:t> </a:t>
-            </a:r>
-            <a:r>
-              <a:rPr lang="en-US" dirty="0" err="1"/>
-              <a:t>uden</a:t>
-            </a:r>
-            <a:r>
-              <a:rPr lang="en-US" dirty="0"/>
-              <a:t> keyword</a:t>
-            </a:r>
-            <a:br>
-              <a:rPr lang="en-US" dirty="0"/>
-            </a:br>
-            <a:br>
-              <a:rPr lang="en-US" dirty="0"/>
-            </a:br>
-            <a:r>
-              <a:rPr lang="en-US" dirty="0" err="1"/>
-              <a:t>vælg</a:t>
-            </a:r>
-            <a:r>
-              <a:rPr lang="en-US" dirty="0"/>
-              <a:t> G1, 	</a:t>
-            </a:r>
-            <a:r>
-              <a:rPr lang="en-US" dirty="0" err="1"/>
-              <a:t>søg</a:t>
-            </a:r>
-            <a:r>
-              <a:rPr lang="en-US" dirty="0"/>
-              <a:t> </a:t>
-            </a:r>
-            <a:r>
-              <a:rPr lang="en-US" dirty="0" err="1"/>
-              <a:t>på</a:t>
-            </a:r>
-            <a:r>
-              <a:rPr lang="en-US" dirty="0"/>
-              <a:t> “error”</a:t>
-            </a:r>
-          </a:p>
-          <a:p>
-            <a:r>
-              <a:rPr lang="en-US" dirty="0"/>
-              <a:t>	</a:t>
-            </a:r>
-            <a:r>
-              <a:rPr lang="en-US" dirty="0" err="1"/>
-              <a:t>søg</a:t>
-            </a:r>
-            <a:r>
-              <a:rPr lang="en-US" dirty="0"/>
-              <a:t> </a:t>
-            </a:r>
-            <a:r>
-              <a:rPr lang="en-US" dirty="0" err="1"/>
-              <a:t>på</a:t>
-            </a:r>
-            <a:r>
-              <a:rPr lang="en-US" dirty="0"/>
-              <a:t> “error config” (/research)	</a:t>
-            </a:r>
-          </a:p>
-          <a:p>
-            <a:endParaRPr lang="en-US" dirty="0"/>
-          </a:p>
-          <a:p>
-            <a:r>
-              <a:rPr lang="en-US" dirty="0" err="1"/>
-              <a:t>Vælg</a:t>
-            </a:r>
-            <a:r>
-              <a:rPr lang="en-US" dirty="0"/>
-              <a:t> G1-3, </a:t>
-            </a:r>
-            <a:r>
-              <a:rPr lang="en-US" dirty="0" err="1"/>
-              <a:t>søg</a:t>
-            </a:r>
-            <a:r>
-              <a:rPr lang="en-US" dirty="0"/>
-              <a:t> </a:t>
-            </a:r>
-            <a:r>
-              <a:rPr lang="en-US" dirty="0" err="1"/>
-              <a:t>på</a:t>
-            </a:r>
-            <a:r>
-              <a:rPr lang="en-US" dirty="0"/>
-              <a:t> “error config” -&gt; vis 2 sys </a:t>
-            </a:r>
-            <a:r>
-              <a:rPr lang="en-US" dirty="0" err="1"/>
-              <a:t>i</a:t>
-            </a:r>
-            <a:r>
-              <a:rPr lang="en-US" dirty="0"/>
-              <a:t> </a:t>
-            </a:r>
-            <a:r>
-              <a:rPr lang="en-US" dirty="0" err="1"/>
-              <a:t>søgeresultat</a:t>
-            </a:r>
-            <a:endParaRPr lang="en-US" dirty="0"/>
-          </a:p>
-        </p:txBody>
-      </p:sp>
-      <p:sp>
-        <p:nvSpPr>
-          <p:cNvPr id="2" name="TextBox 1">
-            <a:extLst>
-              <a:ext uri="{FF2B5EF4-FFF2-40B4-BE49-F238E27FC236}">
-                <a16:creationId xmlns:a16="http://schemas.microsoft.com/office/drawing/2014/main" id="{9D019424-C2C3-3DF7-68E6-2473D60F0DE1}"/>
-              </a:ext>
-            </a:extLst>
-          </p:cNvPr>
-          <p:cNvSpPr txBox="1"/>
-          <p:nvPr/>
-        </p:nvSpPr>
-        <p:spPr>
-          <a:xfrm>
-            <a:off x="8340438" y="215956"/>
-            <a:ext cx="2946400" cy="830997"/>
-          </a:xfrm>
-          <a:prstGeom prst="rect">
-            <a:avLst/>
-          </a:prstGeom>
-          <a:noFill/>
-        </p:spPr>
-        <p:txBody>
-          <a:bodyPr wrap="square" rtlCol="0">
-            <a:spAutoFit/>
-          </a:bodyPr>
-          <a:lstStyle/>
-          <a:p>
-            <a:r>
-              <a:rPr lang="en-US" sz="2400" dirty="0"/>
-              <a:t>LogWatcher demo</a:t>
-            </a:r>
-          </a:p>
-          <a:p>
-            <a:endParaRPr lang="da-DK" sz="2400" dirty="0"/>
-          </a:p>
-        </p:txBody>
-      </p:sp>
-      <p:sp>
-        <p:nvSpPr>
-          <p:cNvPr id="3" name="TextBox 2">
-            <a:extLst>
-              <a:ext uri="{FF2B5EF4-FFF2-40B4-BE49-F238E27FC236}">
-                <a16:creationId xmlns:a16="http://schemas.microsoft.com/office/drawing/2014/main" id="{8CA02E7E-5E75-5ECA-4A67-1EF1AE9CDBAD}"/>
-              </a:ext>
-            </a:extLst>
-          </p:cNvPr>
-          <p:cNvSpPr txBox="1"/>
-          <p:nvPr/>
-        </p:nvSpPr>
-        <p:spPr>
-          <a:xfrm>
-            <a:off x="5237378" y="3641223"/>
-            <a:ext cx="5218544" cy="2585323"/>
-          </a:xfrm>
-          <a:prstGeom prst="rect">
-            <a:avLst/>
-          </a:prstGeom>
-          <a:noFill/>
-          <a:ln>
-            <a:solidFill>
-              <a:schemeClr val="accent5"/>
-            </a:solidFill>
-            <a:prstDash val="dash"/>
-          </a:ln>
-        </p:spPr>
-        <p:txBody>
-          <a:bodyPr wrap="square" rtlCol="0">
-            <a:spAutoFit/>
-          </a:bodyPr>
-          <a:lstStyle/>
-          <a:p>
-            <a:br>
-              <a:rPr lang="en-US" dirty="0"/>
-            </a:br>
-            <a:endParaRPr lang="en-US" dirty="0"/>
-          </a:p>
-          <a:p>
-            <a:r>
-              <a:rPr lang="en-US" dirty="0"/>
-              <a:t>(</a:t>
-            </a:r>
-            <a:r>
-              <a:rPr lang="en-US" dirty="0" err="1"/>
-              <a:t>kør</a:t>
-            </a:r>
-            <a:r>
-              <a:rPr lang="en-US" dirty="0"/>
-              <a:t> script 2updateG3.cmd) -&gt; </a:t>
-            </a:r>
-            <a:r>
-              <a:rPr lang="en-US" dirty="0" err="1"/>
-              <a:t>opdater</a:t>
-            </a:r>
-            <a:r>
-              <a:rPr lang="en-US" dirty="0"/>
-              <a:t> G3</a:t>
-            </a:r>
-          </a:p>
-          <a:p>
-            <a:br>
-              <a:rPr lang="en-US" dirty="0"/>
-            </a:br>
-            <a:r>
-              <a:rPr lang="en-US" dirty="0" err="1"/>
-              <a:t>Vælg</a:t>
-            </a:r>
-            <a:r>
-              <a:rPr lang="en-US" dirty="0"/>
-              <a:t> G1-3, </a:t>
-            </a:r>
-            <a:r>
-              <a:rPr lang="en-US" dirty="0" err="1"/>
-              <a:t>sæt</a:t>
-            </a:r>
-            <a:r>
-              <a:rPr lang="en-US" dirty="0"/>
-              <a:t> </a:t>
-            </a:r>
-            <a:r>
-              <a:rPr lang="en-US" dirty="0" err="1"/>
-              <a:t>tidsinterval</a:t>
-            </a:r>
-            <a:r>
-              <a:rPr lang="en-US" dirty="0"/>
-              <a:t> start@18. sept	</a:t>
-            </a:r>
-          </a:p>
-          <a:p>
-            <a:r>
-              <a:rPr lang="en-US" dirty="0"/>
-              <a:t>	</a:t>
-            </a:r>
-            <a:r>
-              <a:rPr lang="en-US" dirty="0" err="1"/>
-              <a:t>søg</a:t>
-            </a:r>
-            <a:r>
-              <a:rPr lang="en-US" dirty="0"/>
-              <a:t> </a:t>
-            </a:r>
-            <a:r>
-              <a:rPr lang="en-US" dirty="0" err="1"/>
-              <a:t>på</a:t>
-            </a:r>
-            <a:r>
-              <a:rPr lang="en-US" dirty="0"/>
-              <a:t> “</a:t>
-            </a:r>
-            <a:r>
-              <a:rPr lang="en-US" dirty="0" err="1"/>
-              <a:t>daletservice</a:t>
-            </a:r>
-            <a:r>
-              <a:rPr lang="en-US" dirty="0"/>
-              <a:t> find”</a:t>
-            </a:r>
-          </a:p>
-          <a:p>
-            <a:r>
-              <a:rPr lang="en-US" dirty="0"/>
-              <a:t>	</a:t>
-            </a:r>
-            <a:r>
-              <a:rPr lang="en-US" dirty="0" err="1"/>
-              <a:t>sæt</a:t>
-            </a:r>
-            <a:r>
-              <a:rPr lang="en-US" dirty="0"/>
-              <a:t> </a:t>
-            </a:r>
-            <a:r>
-              <a:rPr lang="en-US" dirty="0" err="1"/>
-              <a:t>tidsinterval</a:t>
-            </a:r>
-            <a:r>
-              <a:rPr lang="en-US" dirty="0"/>
-              <a:t> slut@19. sept 2020</a:t>
-            </a:r>
-          </a:p>
-          <a:p>
-            <a:r>
-              <a:rPr lang="en-US" dirty="0"/>
-              <a:t>	</a:t>
-            </a:r>
-            <a:r>
-              <a:rPr lang="en-US" dirty="0" err="1"/>
-              <a:t>søg</a:t>
-            </a:r>
-            <a:r>
-              <a:rPr lang="en-US" dirty="0"/>
-              <a:t> </a:t>
-            </a:r>
-            <a:r>
-              <a:rPr lang="en-US" dirty="0" err="1"/>
-              <a:t>på</a:t>
-            </a:r>
-            <a:r>
-              <a:rPr lang="en-US" dirty="0"/>
-              <a:t> “</a:t>
-            </a:r>
-            <a:r>
-              <a:rPr lang="en-US" dirty="0" err="1"/>
-              <a:t>daletservice</a:t>
-            </a:r>
-            <a:r>
-              <a:rPr lang="en-US" dirty="0"/>
-              <a:t> find”</a:t>
-            </a:r>
-          </a:p>
-          <a:p>
-            <a:r>
-              <a:rPr lang="en-US" dirty="0"/>
-              <a:t>	</a:t>
-            </a:r>
-            <a:r>
-              <a:rPr lang="en-US" dirty="0" err="1"/>
-              <a:t>åbn</a:t>
-            </a:r>
-            <a:r>
-              <a:rPr lang="en-US" dirty="0"/>
-              <a:t> </a:t>
-            </a:r>
-            <a:r>
-              <a:rPr lang="en-US" dirty="0" err="1"/>
-              <a:t>fundet</a:t>
-            </a:r>
-            <a:r>
-              <a:rPr lang="en-US" dirty="0"/>
-              <a:t> </a:t>
-            </a:r>
-            <a:r>
-              <a:rPr lang="en-US" dirty="0" err="1"/>
-              <a:t>logfil</a:t>
-            </a:r>
-            <a:endParaRPr lang="da-DK" dirty="0"/>
-          </a:p>
-        </p:txBody>
-      </p:sp>
-    </p:spTree>
-    <p:extLst>
-      <p:ext uri="{BB962C8B-B14F-4D97-AF65-F5344CB8AC3E}">
-        <p14:creationId xmlns:p14="http://schemas.microsoft.com/office/powerpoint/2010/main" val="2475599905"/>
-      </p:ext>
-    </p:extLst>
-  </p:cSld>
-  <p:clrMapOvr>
-    <a:masterClrMapping/>
-  </p:clrMapOvr>
-</p:sld>
-</file>
-
-<file path=ppt/slides/slide5.xml><?xml version="1.0" encoding="utf-8"?>
-<p:sld xmlns:a="http://schemas.openxmlformats.org/drawingml/2006/main" xmlns:r="http://schemas.openxmlformats.org/officeDocument/2006/relationships" xmlns:p="http://schemas.openxmlformats.org/presentationml/2006/main">
-  <p:cSld>
-    <p:spTree>
-      <p:nvGrpSpPr>
-        <p:cNvPr id="1" name=""/>
-        <p:cNvGrpSpPr/>
-        <p:nvPr/>
-      </p:nvGrpSpPr>
-      <p:grpSpPr>
-        <a:xfrm>
-          <a:off x="0" y="0"/>
-          <a:ext cx="0" cy="0"/>
-          <a:chOff x="0" y="0"/>
-          <a:chExt cx="0" cy="0"/>
-        </a:xfrm>
-      </p:grpSpPr>
-      <p:sp>
-        <p:nvSpPr>
           <p:cNvPr id="2" name="Title 1">
             <a:extLst>
               <a:ext uri="{FF2B5EF4-FFF2-40B4-BE49-F238E27FC236}">
@@ -17490,39 +16956,6 @@
                     <a:cs typeface="Times New Roman" panose="02020603050405020304" pitchFamily="18" charset="0"/>
                   </a:rPr>
                 </a:br>
-                <a:r>
-                  <a:rPr lang="da-DK" sz="1100" dirty="0">
-                    <a:solidFill>
-                      <a:srgbClr val="000000"/>
-                    </a:solidFill>
-                    <a:effectLst/>
-                    <a:ea typeface="Calibri Light" panose="020F0302020204030204" pitchFamily="34" charset="0"/>
-                    <a:cs typeface="Times New Roman" panose="02020603050405020304" pitchFamily="18" charset="0"/>
-                  </a:rPr>
-                  <a:t>(C# </a:t>
-                </a:r>
-                <a:r>
-                  <a:rPr lang="da-DK" sz="1100" dirty="0" err="1">
-                    <a:solidFill>
-                      <a:srgbClr val="000000"/>
-                    </a:solidFill>
-                    <a:effectLst/>
-                    <a:ea typeface="Calibri Light" panose="020F0302020204030204" pitchFamily="34" charset="0"/>
-                    <a:cs typeface="Times New Roman" panose="02020603050405020304" pitchFamily="18" charset="0"/>
-                  </a:rPr>
-                  <a:t>Blazor</a:t>
-                </a:r>
-                <a:r>
-                  <a:rPr lang="da-DK" sz="1100" dirty="0">
-                    <a:solidFill>
-                      <a:srgbClr val="000000"/>
-                    </a:solidFill>
-                    <a:effectLst/>
-                    <a:ea typeface="Calibri Light" panose="020F0302020204030204" pitchFamily="34" charset="0"/>
-                    <a:cs typeface="Times New Roman" panose="02020603050405020304" pitchFamily="18" charset="0"/>
-                  </a:rPr>
-                  <a:t>)</a:t>
-                </a:r>
                 <a:endParaRPr lang="da-DK" sz="1100" dirty="0">
                   <a:effectLst/>
                   <a:ea typeface="Calibri Light" panose="020F0302020204030204" pitchFamily="34" charset="0"/>
@@ -18180,6 +17613,548 @@
 </p:sld>
 </file>
 
+<file path=ppt/slides/slide5.xml><?xml version="1.0" encoding="utf-8"?>
+<p:sld xmlns:a="http://schemas.openxmlformats.org/drawingml/2006/main" xmlns:r="http://schemas.openxmlformats.org/officeDocument/2006/relationships" xmlns:p="http://schemas.openxmlformats.org/presentationml/2006/main">
+  <p:cSld>
+    <p:spTree>
+      <p:nvGrpSpPr>
+        <p:cNvPr id="1" name=""/>
+        <p:cNvGrpSpPr/>
+        <p:nvPr/>
+      </p:nvGrpSpPr>
+      <p:grpSpPr>
+        <a:xfrm>
+          <a:off x="0" y="0"/>
+          <a:ext cx="0" cy="0"/>
+          <a:chOff x="0" y="0"/>
+          <a:chExt cx="0" cy="0"/>
+        </a:xfrm>
+      </p:grpSpPr>
+      <p:sp>
+        <p:nvSpPr>
+          <p:cNvPr id="4" name="TextBox 3">
+            <a:extLst>
+              <a:ext uri="{FF2B5EF4-FFF2-40B4-BE49-F238E27FC236}">
+                <a16:creationId xmlns:a16="http://schemas.microsoft.com/office/drawing/2014/main" id="{1489911D-BDFD-6A0D-CD51-74E9082B07D0}"/>
+              </a:ext>
+            </a:extLst>
+          </p:cNvPr>
+          <p:cNvSpPr txBox="1"/>
+          <p:nvPr/>
+        </p:nvSpPr>
+        <p:spPr>
+          <a:xfrm>
+            <a:off x="905162" y="631454"/>
+            <a:ext cx="7033491" cy="3416320"/>
+          </a:xfrm>
+          <a:prstGeom prst="rect">
+            <a:avLst/>
+          </a:prstGeom>
+          <a:noFill/>
+          <a:ln>
+            <a:solidFill>
+              <a:schemeClr val="accent5"/>
+            </a:solidFill>
+            <a:prstDash val="dash"/>
+          </a:ln>
+        </p:spPr>
+        <p:txBody>
+          <a:bodyPr wrap="square" rtlCol="0">
+            <a:spAutoFit/>
+          </a:bodyPr>
+          <a:lstStyle/>
+          <a:p>
+            <a:r>
+              <a:rPr lang="en-US" dirty="0"/>
+              <a:t>(</a:t>
+            </a:r>
+            <a:r>
+              <a:rPr lang="en-US" dirty="0" err="1"/>
+              <a:t>kør</a:t>
+            </a:r>
+            <a:r>
+              <a:rPr lang="en-US" dirty="0"/>
+              <a:t> script 1resetG3.cmd)</a:t>
+            </a:r>
+          </a:p>
+          <a:p>
+            <a:r>
+              <a:rPr lang="en-US" dirty="0"/>
+              <a:t>Load 2 </a:t>
+            </a:r>
+            <a:r>
+              <a:rPr lang="en-US" dirty="0" err="1"/>
+              <a:t>sæt</a:t>
+            </a:r>
+            <a:r>
+              <a:rPr lang="en-US" dirty="0"/>
+              <a:t> filer (G1+2)</a:t>
+            </a:r>
+            <a:br>
+              <a:rPr lang="en-US" dirty="0"/>
+            </a:br>
+            <a:r>
+              <a:rPr lang="en-US" dirty="0" err="1"/>
+              <a:t>vælg</a:t>
+            </a:r>
+            <a:r>
+              <a:rPr lang="en-US" dirty="0"/>
+              <a:t> G1-2, </a:t>
+            </a:r>
+            <a:r>
+              <a:rPr lang="en-US" dirty="0" err="1"/>
+              <a:t>søg</a:t>
+            </a:r>
+            <a:r>
+              <a:rPr lang="en-US" dirty="0"/>
+              <a:t> </a:t>
+            </a:r>
+            <a:r>
+              <a:rPr lang="en-US" dirty="0" err="1"/>
+              <a:t>uden</a:t>
+            </a:r>
+            <a:r>
+              <a:rPr lang="en-US" dirty="0"/>
+              <a:t> keyword, med default </a:t>
+            </a:r>
+            <a:r>
+              <a:rPr lang="en-US" dirty="0" err="1"/>
+              <a:t>tids</a:t>
+            </a:r>
+            <a:r>
+              <a:rPr lang="en-US" dirty="0"/>
+              <a:t>-interval</a:t>
+            </a:r>
+          </a:p>
+          <a:p>
+            <a:endParaRPr lang="en-US" dirty="0"/>
+          </a:p>
+          <a:p>
+            <a:r>
+              <a:rPr lang="en-US" dirty="0"/>
+              <a:t>Load G3	</a:t>
+            </a:r>
+          </a:p>
+          <a:p>
+            <a:r>
+              <a:rPr lang="en-US" dirty="0" err="1"/>
+              <a:t>Vælg</a:t>
+            </a:r>
+            <a:r>
+              <a:rPr lang="en-US" dirty="0"/>
+              <a:t> G1-3, </a:t>
+            </a:r>
+            <a:r>
+              <a:rPr lang="en-US" dirty="0" err="1"/>
+              <a:t>søg</a:t>
+            </a:r>
+            <a:r>
+              <a:rPr lang="en-US" dirty="0"/>
+              <a:t> </a:t>
+            </a:r>
+            <a:r>
+              <a:rPr lang="en-US" dirty="0" err="1"/>
+              <a:t>uden</a:t>
+            </a:r>
+            <a:r>
+              <a:rPr lang="en-US" dirty="0"/>
+              <a:t> keyword</a:t>
+            </a:r>
+          </a:p>
+          <a:p>
+            <a:r>
+              <a:rPr lang="en-US" dirty="0"/>
+              <a:t>	</a:t>
+            </a:r>
+            <a:r>
+              <a:rPr lang="en-US" dirty="0" err="1"/>
+              <a:t>skift</a:t>
+            </a:r>
+            <a:r>
+              <a:rPr lang="en-US" dirty="0"/>
+              <a:t> </a:t>
+            </a:r>
+            <a:r>
+              <a:rPr lang="en-US" dirty="0" err="1"/>
+              <a:t>tidsinterval</a:t>
+            </a:r>
+            <a:r>
+              <a:rPr lang="en-US" dirty="0"/>
+              <a:t> slut@1.jan21, </a:t>
+            </a:r>
+            <a:r>
+              <a:rPr lang="en-US" dirty="0" err="1"/>
+              <a:t>gentag</a:t>
+            </a:r>
+            <a:r>
+              <a:rPr lang="en-US" dirty="0"/>
+              <a:t> </a:t>
+            </a:r>
+            <a:r>
+              <a:rPr lang="en-US" dirty="0" err="1"/>
+              <a:t>søgning</a:t>
+            </a:r>
+            <a:r>
+              <a:rPr lang="en-US" dirty="0"/>
+              <a:t> </a:t>
+            </a:r>
+            <a:r>
+              <a:rPr lang="en-US" dirty="0" err="1"/>
+              <a:t>uden</a:t>
+            </a:r>
+            <a:r>
+              <a:rPr lang="en-US" dirty="0"/>
+              <a:t> keyword</a:t>
+            </a:r>
+            <a:br>
+              <a:rPr lang="en-US" dirty="0"/>
+            </a:br>
+            <a:br>
+              <a:rPr lang="en-US" dirty="0"/>
+            </a:br>
+            <a:r>
+              <a:rPr lang="en-US" dirty="0" err="1"/>
+              <a:t>vælg</a:t>
+            </a:r>
+            <a:r>
+              <a:rPr lang="en-US" dirty="0"/>
+              <a:t> G1, 	</a:t>
+            </a:r>
+            <a:r>
+              <a:rPr lang="en-US" dirty="0" err="1"/>
+              <a:t>søg</a:t>
+            </a:r>
+            <a:r>
+              <a:rPr lang="en-US" dirty="0"/>
+              <a:t> </a:t>
+            </a:r>
+            <a:r>
+              <a:rPr lang="en-US" dirty="0" err="1"/>
+              <a:t>på</a:t>
+            </a:r>
+            <a:r>
+              <a:rPr lang="en-US" dirty="0"/>
+              <a:t> “error”</a:t>
+            </a:r>
+          </a:p>
+          <a:p>
+            <a:r>
+              <a:rPr lang="en-US" dirty="0"/>
+              <a:t>	</a:t>
+            </a:r>
+            <a:r>
+              <a:rPr lang="en-US" dirty="0" err="1"/>
+              <a:t>søg</a:t>
+            </a:r>
+            <a:r>
+              <a:rPr lang="en-US" dirty="0"/>
+              <a:t> </a:t>
+            </a:r>
+            <a:r>
+              <a:rPr lang="en-US" dirty="0" err="1"/>
+              <a:t>på</a:t>
+            </a:r>
+            <a:r>
+              <a:rPr lang="en-US" dirty="0"/>
+              <a:t> “error config” (/research)	</a:t>
+            </a:r>
+          </a:p>
+          <a:p>
+            <a:endParaRPr lang="en-US" dirty="0"/>
+          </a:p>
+          <a:p>
+            <a:r>
+              <a:rPr lang="en-US" dirty="0" err="1"/>
+              <a:t>Vælg</a:t>
+            </a:r>
+            <a:r>
+              <a:rPr lang="en-US" dirty="0"/>
+              <a:t> G1-3, </a:t>
+            </a:r>
+            <a:r>
+              <a:rPr lang="en-US" dirty="0" err="1"/>
+              <a:t>søg</a:t>
+            </a:r>
+            <a:r>
+              <a:rPr lang="en-US" dirty="0"/>
+              <a:t> </a:t>
+            </a:r>
+            <a:r>
+              <a:rPr lang="en-US" dirty="0" err="1"/>
+              <a:t>på</a:t>
+            </a:r>
+            <a:r>
+              <a:rPr lang="en-US" dirty="0"/>
+              <a:t> “error config” -&gt; vis 2 sys </a:t>
+            </a:r>
+            <a:r>
+              <a:rPr lang="en-US" dirty="0" err="1"/>
+              <a:t>i</a:t>
+            </a:r>
+            <a:r>
+              <a:rPr lang="en-US" dirty="0"/>
+              <a:t> </a:t>
+            </a:r>
+            <a:r>
+              <a:rPr lang="en-US" dirty="0" err="1"/>
+              <a:t>søgeresultat</a:t>
+            </a:r>
+            <a:endParaRPr lang="en-US" dirty="0"/>
+          </a:p>
+        </p:txBody>
+      </p:sp>
+      <p:sp>
+        <p:nvSpPr>
+          <p:cNvPr id="2" name="TextBox 1">
+            <a:extLst>
+              <a:ext uri="{FF2B5EF4-FFF2-40B4-BE49-F238E27FC236}">
+                <a16:creationId xmlns:a16="http://schemas.microsoft.com/office/drawing/2014/main" id="{9D019424-C2C3-3DF7-68E6-2473D60F0DE1}"/>
+              </a:ext>
+            </a:extLst>
+          </p:cNvPr>
+          <p:cNvSpPr txBox="1"/>
+          <p:nvPr/>
+        </p:nvSpPr>
+        <p:spPr>
+          <a:xfrm>
+            <a:off x="8340438" y="215956"/>
+            <a:ext cx="2946400" cy="830997"/>
+          </a:xfrm>
+          <a:prstGeom prst="rect">
+            <a:avLst/>
+          </a:prstGeom>
+          <a:noFill/>
+        </p:spPr>
+        <p:txBody>
+          <a:bodyPr wrap="square" rtlCol="0">
+            <a:spAutoFit/>
+          </a:bodyPr>
+          <a:lstStyle/>
+          <a:p>
+            <a:r>
+              <a:rPr lang="en-US" sz="2400" dirty="0"/>
+              <a:t>LogWatcher demo</a:t>
+            </a:r>
+          </a:p>
+          <a:p>
+            <a:endParaRPr lang="da-DK" sz="2400" dirty="0"/>
+          </a:p>
+        </p:txBody>
+      </p:sp>
+      <p:sp>
+        <p:nvSpPr>
+          <p:cNvPr id="3" name="TextBox 2">
+            <a:extLst>
+              <a:ext uri="{FF2B5EF4-FFF2-40B4-BE49-F238E27FC236}">
+                <a16:creationId xmlns:a16="http://schemas.microsoft.com/office/drawing/2014/main" id="{8CA02E7E-5E75-5ECA-4A67-1EF1AE9CDBAD}"/>
+              </a:ext>
+            </a:extLst>
+          </p:cNvPr>
+          <p:cNvSpPr txBox="1"/>
+          <p:nvPr/>
+        </p:nvSpPr>
+        <p:spPr>
+          <a:xfrm>
+            <a:off x="5237378" y="3641223"/>
+            <a:ext cx="5218544" cy="2585323"/>
+          </a:xfrm>
+          <a:prstGeom prst="rect">
+            <a:avLst/>
+          </a:prstGeom>
+          <a:noFill/>
+          <a:ln>
+            <a:solidFill>
+              <a:schemeClr val="accent5"/>
+            </a:solidFill>
+            <a:prstDash val="dash"/>
+          </a:ln>
+        </p:spPr>
+        <p:txBody>
+          <a:bodyPr wrap="square" rtlCol="0">
+            <a:spAutoFit/>
+          </a:bodyPr>
+          <a:lstStyle/>
+          <a:p>
+            <a:br>
+              <a:rPr lang="en-US" dirty="0"/>
+            </a:br>
+            <a:endParaRPr lang="en-US" dirty="0"/>
+          </a:p>
+          <a:p>
+            <a:r>
+              <a:rPr lang="en-US" dirty="0"/>
+              <a:t>(</a:t>
+            </a:r>
+            <a:r>
+              <a:rPr lang="en-US" dirty="0" err="1"/>
+              <a:t>kør</a:t>
+            </a:r>
+            <a:r>
+              <a:rPr lang="en-US" dirty="0"/>
+              <a:t> script 2updateG3.cmd) -&gt; </a:t>
+            </a:r>
+            <a:r>
+              <a:rPr lang="en-US" dirty="0" err="1"/>
+              <a:t>opdater</a:t>
+            </a:r>
+            <a:r>
+              <a:rPr lang="en-US" dirty="0"/>
+              <a:t> G3</a:t>
+            </a:r>
+          </a:p>
+          <a:p>
+            <a:br>
+              <a:rPr lang="en-US" dirty="0"/>
+            </a:br>
+            <a:r>
+              <a:rPr lang="en-US" dirty="0" err="1"/>
+              <a:t>Vælg</a:t>
+            </a:r>
+            <a:r>
+              <a:rPr lang="en-US" dirty="0"/>
+              <a:t> G1-3, </a:t>
+            </a:r>
+            <a:r>
+              <a:rPr lang="en-US" dirty="0" err="1"/>
+              <a:t>sæt</a:t>
+            </a:r>
+            <a:r>
+              <a:rPr lang="en-US" dirty="0"/>
+              <a:t> </a:t>
+            </a:r>
+            <a:r>
+              <a:rPr lang="en-US" dirty="0" err="1"/>
+              <a:t>tidsinterval</a:t>
+            </a:r>
+            <a:r>
+              <a:rPr lang="en-US" dirty="0"/>
+              <a:t> start@18. sept	</a:t>
+            </a:r>
+          </a:p>
+          <a:p>
+            <a:r>
+              <a:rPr lang="en-US" dirty="0"/>
+              <a:t>	</a:t>
+            </a:r>
+            <a:r>
+              <a:rPr lang="en-US" dirty="0" err="1"/>
+              <a:t>søg</a:t>
+            </a:r>
+            <a:r>
+              <a:rPr lang="en-US" dirty="0"/>
+              <a:t> </a:t>
+            </a:r>
+            <a:r>
+              <a:rPr lang="en-US" dirty="0" err="1"/>
+              <a:t>på</a:t>
+            </a:r>
+            <a:r>
+              <a:rPr lang="en-US" dirty="0"/>
+              <a:t> “</a:t>
+            </a:r>
+            <a:r>
+              <a:rPr lang="en-US" dirty="0" err="1"/>
+              <a:t>daletservice</a:t>
+            </a:r>
+            <a:r>
+              <a:rPr lang="en-US" dirty="0"/>
+              <a:t> find”</a:t>
+            </a:r>
+          </a:p>
+          <a:p>
+            <a:r>
+              <a:rPr lang="en-US" dirty="0"/>
+              <a:t>	</a:t>
+            </a:r>
+            <a:r>
+              <a:rPr lang="en-US" dirty="0" err="1"/>
+              <a:t>sæt</a:t>
+            </a:r>
+            <a:r>
+              <a:rPr lang="en-US" dirty="0"/>
+              <a:t> </a:t>
+            </a:r>
+            <a:r>
+              <a:rPr lang="en-US" dirty="0" err="1"/>
+              <a:t>tidsinterval</a:t>
+            </a:r>
+            <a:r>
+              <a:rPr lang="en-US" dirty="0"/>
+              <a:t> slut@19. sept 2020</a:t>
+            </a:r>
+          </a:p>
+          <a:p>
+            <a:r>
+              <a:rPr lang="en-US" dirty="0"/>
+              <a:t>	</a:t>
+            </a:r>
+            <a:r>
+              <a:rPr lang="en-US" dirty="0" err="1"/>
+              <a:t>søg</a:t>
+            </a:r>
+            <a:r>
+              <a:rPr lang="en-US" dirty="0"/>
+              <a:t> </a:t>
+            </a:r>
+            <a:r>
+              <a:rPr lang="en-US" dirty="0" err="1"/>
+              <a:t>på</a:t>
+            </a:r>
+            <a:r>
+              <a:rPr lang="en-US" dirty="0"/>
+              <a:t> “</a:t>
+            </a:r>
+            <a:r>
+              <a:rPr lang="en-US" dirty="0" err="1"/>
+              <a:t>daletservice</a:t>
+            </a:r>
+            <a:r>
+              <a:rPr lang="en-US" dirty="0"/>
+              <a:t> find”</a:t>
+            </a:r>
+          </a:p>
+          <a:p>
+            <a:r>
+              <a:rPr lang="en-US" dirty="0"/>
+              <a:t>	</a:t>
+            </a:r>
+            <a:r>
+              <a:rPr lang="en-US" dirty="0" err="1"/>
+              <a:t>åbn</a:t>
+            </a:r>
+            <a:r>
+              <a:rPr lang="en-US" dirty="0"/>
+              <a:t> </a:t>
+            </a:r>
+            <a:r>
+              <a:rPr lang="en-US" dirty="0" err="1"/>
+              <a:t>fundet</a:t>
+            </a:r>
+            <a:r>
+              <a:rPr lang="en-US" dirty="0"/>
+              <a:t> </a:t>
+            </a:r>
+            <a:r>
+              <a:rPr lang="en-US" dirty="0" err="1"/>
+              <a:t>logfil</a:t>
+            </a:r>
+            <a:endParaRPr lang="da-DK" dirty="0"/>
+          </a:p>
+        </p:txBody>
+      </p:sp>
+    </p:spTree>
+    <p:extLst>
+      <p:ext uri="{BB962C8B-B14F-4D97-AF65-F5344CB8AC3E}">
+        <p14:creationId xmlns:p14="http://schemas.microsoft.com/office/powerpoint/2010/main" val="2475599905"/>
+      </p:ext>
+    </p:extLst>
+  </p:cSld>
+  <p:clrMapOvr>
+    <a:masterClrMapping/>
+  </p:clrMapOvr>
+</p:sld>
+</file>
+
 <file path=ppt/slides/slide6.xml><?xml version="1.0" encoding="utf-8"?>
 <p:sld xmlns:a="http://schemas.openxmlformats.org/drawingml/2006/main" xmlns:r="http://schemas.openxmlformats.org/officeDocument/2006/relationships" xmlns:p="http://schemas.openxmlformats.org/presentationml/2006/main">
   <p:cSld>
@@ -24794,7 +24769,7 @@
         <p:spPr>
           <a:xfrm>
             <a:off x="838199" y="1690688"/>
-            <a:ext cx="4413271" cy="646331"/>
+            <a:ext cx="5075833" cy="646331"/>
           </a:xfrm>
           <a:prstGeom prst="rect">
             <a:avLst/>
@@ -24827,6 +24802,8 @@
               <a:rPr lang="en-US" dirty="0"/>
               <a:t> at </a:t>
             </a:r>
+          </a:p>
+          <a:p>
             <a:r>
               <a:rPr lang="en-US" dirty="0" err="1"/>
               <a:t>hver</a:t>
@@ -24836,7 +24813,7 @@
               <a:t> node </a:t>
             </a:r>
             <a:r>
-              <a:rPr lang="en-US" dirty="0" err="1"/>
+              <a:rPr lang="en-US" b="1" dirty="0" err="1"/>
               <a:t>kun</a:t>
             </a:r>
             <a:r>
@@ -24849,7 +24826,15 @@
             </a:r>
             <a:r>
               <a:rPr lang="en-US" dirty="0"/>
-              <a:t> 2 </a:t>
+              <a:t> </a:t>
+            </a:r>
+            <a:r>
+              <a:rPr lang="en-US" b="1" dirty="0"/>
+              <a:t>2</a:t>
+            </a:r>
+            <a:r>
+              <a:rPr lang="en-US" dirty="0"/>
+              <a:t> </a:t>
             </a:r>
             <a:r>
               <a:rPr lang="en-US" dirty="0" err="1"/>
